--- a/Writeup.pptx
+++ b/Writeup.pptx
@@ -619,7 +619,7 @@
           <a:p>
             <a:fld id="{2490B311-9796-4759-B0A0-BCF9ED8AC9C1}" type="datetimeFigureOut">
               <a:rPr kumimoji="1" lang="ja-JP" altLang="en-US" smtClean="0"/>
-              <a:t>2019/4/19</a:t>
+              <a:t>2019/4/22</a:t>
             </a:fld>
             <a:endParaRPr kumimoji="1" lang="ja-JP" altLang="en-US"/>
           </a:p>
@@ -849,7 +849,7 @@
           <a:p>
             <a:fld id="{2490B311-9796-4759-B0A0-BCF9ED8AC9C1}" type="datetimeFigureOut">
               <a:rPr kumimoji="1" lang="ja-JP" altLang="en-US" smtClean="0"/>
-              <a:t>2019/4/19</a:t>
+              <a:t>2019/4/22</a:t>
             </a:fld>
             <a:endParaRPr kumimoji="1" lang="ja-JP" altLang="en-US"/>
           </a:p>
@@ -1089,7 +1089,7 @@
           <a:p>
             <a:fld id="{2490B311-9796-4759-B0A0-BCF9ED8AC9C1}" type="datetimeFigureOut">
               <a:rPr kumimoji="1" lang="ja-JP" altLang="en-US" smtClean="0"/>
-              <a:t>2019/4/19</a:t>
+              <a:t>2019/4/22</a:t>
             </a:fld>
             <a:endParaRPr kumimoji="1" lang="ja-JP" altLang="en-US"/>
           </a:p>
@@ -1319,7 +1319,7 @@
           <a:p>
             <a:fld id="{2490B311-9796-4759-B0A0-BCF9ED8AC9C1}" type="datetimeFigureOut">
               <a:rPr kumimoji="1" lang="ja-JP" altLang="en-US" smtClean="0"/>
-              <a:t>2019/4/19</a:t>
+              <a:t>2019/4/22</a:t>
             </a:fld>
             <a:endParaRPr kumimoji="1" lang="ja-JP" altLang="en-US"/>
           </a:p>
@@ -1594,7 +1594,7 @@
           <a:p>
             <a:fld id="{2490B311-9796-4759-B0A0-BCF9ED8AC9C1}" type="datetimeFigureOut">
               <a:rPr kumimoji="1" lang="ja-JP" altLang="en-US" smtClean="0"/>
-              <a:t>2019/4/19</a:t>
+              <a:t>2019/4/22</a:t>
             </a:fld>
             <a:endParaRPr kumimoji="1" lang="ja-JP" altLang="en-US"/>
           </a:p>
@@ -1923,7 +1923,7 @@
           <a:p>
             <a:fld id="{2490B311-9796-4759-B0A0-BCF9ED8AC9C1}" type="datetimeFigureOut">
               <a:rPr kumimoji="1" lang="ja-JP" altLang="en-US" smtClean="0"/>
-              <a:t>2019/4/19</a:t>
+              <a:t>2019/4/22</a:t>
             </a:fld>
             <a:endParaRPr kumimoji="1" lang="ja-JP" altLang="en-US"/>
           </a:p>
@@ -2399,7 +2399,7 @@
           <a:p>
             <a:fld id="{2490B311-9796-4759-B0A0-BCF9ED8AC9C1}" type="datetimeFigureOut">
               <a:rPr kumimoji="1" lang="ja-JP" altLang="en-US" smtClean="0"/>
-              <a:t>2019/4/19</a:t>
+              <a:t>2019/4/22</a:t>
             </a:fld>
             <a:endParaRPr kumimoji="1" lang="ja-JP" altLang="en-US"/>
           </a:p>
@@ -2540,7 +2540,7 @@
           <a:p>
             <a:fld id="{2490B311-9796-4759-B0A0-BCF9ED8AC9C1}" type="datetimeFigureOut">
               <a:rPr kumimoji="1" lang="ja-JP" altLang="en-US" smtClean="0"/>
-              <a:t>2019/4/19</a:t>
+              <a:t>2019/4/22</a:t>
             </a:fld>
             <a:endParaRPr kumimoji="1" lang="ja-JP" altLang="en-US"/>
           </a:p>
@@ -2653,7 +2653,7 @@
           <a:p>
             <a:fld id="{2490B311-9796-4759-B0A0-BCF9ED8AC9C1}" type="datetimeFigureOut">
               <a:rPr kumimoji="1" lang="ja-JP" altLang="en-US" smtClean="0"/>
-              <a:t>2019/4/19</a:t>
+              <a:t>2019/4/22</a:t>
             </a:fld>
             <a:endParaRPr kumimoji="1" lang="ja-JP" altLang="en-US"/>
           </a:p>
@@ -2996,7 +2996,7 @@
           <a:p>
             <a:fld id="{2490B311-9796-4759-B0A0-BCF9ED8AC9C1}" type="datetimeFigureOut">
               <a:rPr kumimoji="1" lang="ja-JP" altLang="en-US" smtClean="0"/>
-              <a:t>2019/4/19</a:t>
+              <a:t>2019/4/22</a:t>
             </a:fld>
             <a:endParaRPr kumimoji="1" lang="ja-JP" altLang="en-US"/>
           </a:p>
@@ -3284,7 +3284,7 @@
           <a:p>
             <a:fld id="{2490B311-9796-4759-B0A0-BCF9ED8AC9C1}" type="datetimeFigureOut">
               <a:rPr kumimoji="1" lang="ja-JP" altLang="en-US" smtClean="0"/>
-              <a:t>2019/4/19</a:t>
+              <a:t>2019/4/22</a:t>
             </a:fld>
             <a:endParaRPr kumimoji="1" lang="ja-JP" altLang="en-US"/>
           </a:p>
@@ -3557,7 +3557,7 @@
           <a:p>
             <a:fld id="{2490B311-9796-4759-B0A0-BCF9ED8AC9C1}" type="datetimeFigureOut">
               <a:rPr kumimoji="1" lang="ja-JP" altLang="en-US" smtClean="0"/>
-              <a:t>2019/4/19</a:t>
+              <a:t>2019/4/22</a:t>
             </a:fld>
             <a:endParaRPr kumimoji="1" lang="ja-JP" altLang="en-US"/>
           </a:p>
@@ -5992,7 +5992,11 @@
           <a:bodyPr/>
           <a:lstStyle/>
           <a:p>
-            <a:endParaRPr kumimoji="1" lang="ja-JP" altLang="en-US"/>
+            <a:r>
+              <a:rPr kumimoji="1" lang="en-US" altLang="ja-JP" dirty="0"/>
+              <a:t>Misc3</a:t>
+            </a:r>
+            <a:endParaRPr kumimoji="1" lang="ja-JP" altLang="en-US" dirty="0"/>
           </a:p>
         </p:txBody>
       </p:sp>
@@ -6017,7 +6021,103 @@
           <a:bodyPr/>
           <a:lstStyle/>
           <a:p>
-            <a:endParaRPr kumimoji="1" lang="ja-JP" altLang="en-US"/>
+            <a:pPr marL="0" indent="0">
+              <a:buNone/>
+            </a:pPr>
+            <a:r>
+              <a:rPr lang="ja-JP" altLang="en-US" dirty="0"/>
+              <a:t>・</a:t>
+            </a:r>
+            <a:r>
+              <a:rPr lang="en-US" altLang="ja-JP" dirty="0"/>
+              <a:t>misc3.zip</a:t>
+            </a:r>
+            <a:r>
+              <a:rPr lang="ja-JP" altLang="en-US" dirty="0"/>
+              <a:t>が配布される</a:t>
+            </a:r>
+            <a:r>
+              <a:rPr lang="en-US" altLang="ja-JP" dirty="0"/>
+              <a:t>.</a:t>
+            </a:r>
+          </a:p>
+          <a:p>
+            <a:pPr marL="0" indent="0">
+              <a:buNone/>
+            </a:pPr>
+            <a:r>
+              <a:rPr kumimoji="1" lang="ja-JP" altLang="en-US" dirty="0"/>
+              <a:t>・</a:t>
+            </a:r>
+            <a:r>
+              <a:rPr kumimoji="1" lang="en-US" altLang="ja-JP" dirty="0"/>
+              <a:t>file</a:t>
+            </a:r>
+            <a:r>
+              <a:rPr kumimoji="1" lang="ja-JP" altLang="en-US" dirty="0"/>
+              <a:t>コマンド</a:t>
+            </a:r>
+            <a:r>
+              <a:rPr lang="ja-JP" altLang="en-US" dirty="0"/>
+              <a:t>を叩くと</a:t>
+            </a:r>
+            <a:r>
+              <a:rPr lang="en-US" altLang="ja-JP" dirty="0"/>
+              <a:t>zip</a:t>
+            </a:r>
+            <a:r>
+              <a:rPr lang="ja-JP" altLang="en-US" dirty="0"/>
+              <a:t>ではないことがわかる</a:t>
+            </a:r>
+            <a:r>
+              <a:rPr lang="en-US" altLang="ja-JP" dirty="0"/>
+              <a:t>.</a:t>
+            </a:r>
+          </a:p>
+          <a:p>
+            <a:pPr marL="0" indent="0">
+              <a:buNone/>
+            </a:pPr>
+            <a:r>
+              <a:rPr lang="ja-JP" altLang="en-US" dirty="0"/>
+              <a:t>・</a:t>
+            </a:r>
+            <a:r>
+              <a:rPr lang="en-US" altLang="ja-JP" dirty="0"/>
+              <a:t>PowerPoint</a:t>
+            </a:r>
+            <a:r>
+              <a:rPr lang="ja-JP" altLang="en-US" dirty="0"/>
+              <a:t>のファイルらしいので拡張子を</a:t>
+            </a:r>
+            <a:r>
+              <a:rPr lang="en-US" altLang="ja-JP" dirty="0"/>
+              <a:t>pptx</a:t>
+            </a:r>
+            <a:r>
+              <a:rPr lang="ja-JP" altLang="en-US" dirty="0"/>
+              <a:t>に変更して開くと</a:t>
+            </a:r>
+            <a:r>
+              <a:rPr lang="en-US" altLang="ja-JP" dirty="0"/>
+              <a:t>flag(</a:t>
+            </a:r>
+            <a:r>
+              <a:rPr lang="en-US" altLang="ja-JP" dirty="0" err="1"/>
+              <a:t>oitctf</a:t>
+            </a:r>
+            <a:r>
+              <a:rPr lang="en-US" altLang="ja-JP" dirty="0"/>
+              <a:t>{</a:t>
+            </a:r>
+            <a:r>
+              <a:rPr lang="en-US" altLang="ja-JP" dirty="0" err="1"/>
+              <a:t>contents_of_pptx</a:t>
+            </a:r>
+            <a:r>
+              <a:rPr lang="en-US" altLang="ja-JP" dirty="0"/>
+              <a:t>}).</a:t>
+            </a:r>
           </a:p>
         </p:txBody>
       </p:sp>
@@ -7623,6 +7723,14 @@
             </a:r>
             <a:r>
               <a:rPr lang="ja-JP" altLang="en-US" dirty="0"/>
+              <a:t>とか</a:t>
+            </a:r>
+            <a:r>
+              <a:rPr lang="en-US" altLang="ja-JP"/>
+              <a:t>IDA</a:t>
+            </a:r>
+            <a:r>
+              <a:rPr lang="ja-JP" altLang="en-US"/>
               <a:t>で</a:t>
             </a:r>
             <a:r>

--- a/Writeup.pptx
+++ b/Writeup.pptx
@@ -619,7 +619,7 @@
           <a:p>
             <a:fld id="{2490B311-9796-4759-B0A0-BCF9ED8AC9C1}" type="datetimeFigureOut">
               <a:rPr kumimoji="1" lang="ja-JP" altLang="en-US" smtClean="0"/>
-              <a:t>2019/4/22</a:t>
+              <a:t>2019/4/23</a:t>
             </a:fld>
             <a:endParaRPr kumimoji="1" lang="ja-JP" altLang="en-US"/>
           </a:p>
@@ -849,7 +849,7 @@
           <a:p>
             <a:fld id="{2490B311-9796-4759-B0A0-BCF9ED8AC9C1}" type="datetimeFigureOut">
               <a:rPr kumimoji="1" lang="ja-JP" altLang="en-US" smtClean="0"/>
-              <a:t>2019/4/22</a:t>
+              <a:t>2019/4/23</a:t>
             </a:fld>
             <a:endParaRPr kumimoji="1" lang="ja-JP" altLang="en-US"/>
           </a:p>
@@ -1089,7 +1089,7 @@
           <a:p>
             <a:fld id="{2490B311-9796-4759-B0A0-BCF9ED8AC9C1}" type="datetimeFigureOut">
               <a:rPr kumimoji="1" lang="ja-JP" altLang="en-US" smtClean="0"/>
-              <a:t>2019/4/22</a:t>
+              <a:t>2019/4/23</a:t>
             </a:fld>
             <a:endParaRPr kumimoji="1" lang="ja-JP" altLang="en-US"/>
           </a:p>
@@ -1319,7 +1319,7 @@
           <a:p>
             <a:fld id="{2490B311-9796-4759-B0A0-BCF9ED8AC9C1}" type="datetimeFigureOut">
               <a:rPr kumimoji="1" lang="ja-JP" altLang="en-US" smtClean="0"/>
-              <a:t>2019/4/22</a:t>
+              <a:t>2019/4/23</a:t>
             </a:fld>
             <a:endParaRPr kumimoji="1" lang="ja-JP" altLang="en-US"/>
           </a:p>
@@ -1594,7 +1594,7 @@
           <a:p>
             <a:fld id="{2490B311-9796-4759-B0A0-BCF9ED8AC9C1}" type="datetimeFigureOut">
               <a:rPr kumimoji="1" lang="ja-JP" altLang="en-US" smtClean="0"/>
-              <a:t>2019/4/22</a:t>
+              <a:t>2019/4/23</a:t>
             </a:fld>
             <a:endParaRPr kumimoji="1" lang="ja-JP" altLang="en-US"/>
           </a:p>
@@ -1923,7 +1923,7 @@
           <a:p>
             <a:fld id="{2490B311-9796-4759-B0A0-BCF9ED8AC9C1}" type="datetimeFigureOut">
               <a:rPr kumimoji="1" lang="ja-JP" altLang="en-US" smtClean="0"/>
-              <a:t>2019/4/22</a:t>
+              <a:t>2019/4/23</a:t>
             </a:fld>
             <a:endParaRPr kumimoji="1" lang="ja-JP" altLang="en-US"/>
           </a:p>
@@ -2399,7 +2399,7 @@
           <a:p>
             <a:fld id="{2490B311-9796-4759-B0A0-BCF9ED8AC9C1}" type="datetimeFigureOut">
               <a:rPr kumimoji="1" lang="ja-JP" altLang="en-US" smtClean="0"/>
-              <a:t>2019/4/22</a:t>
+              <a:t>2019/4/23</a:t>
             </a:fld>
             <a:endParaRPr kumimoji="1" lang="ja-JP" altLang="en-US"/>
           </a:p>
@@ -2540,7 +2540,7 @@
           <a:p>
             <a:fld id="{2490B311-9796-4759-B0A0-BCF9ED8AC9C1}" type="datetimeFigureOut">
               <a:rPr kumimoji="1" lang="ja-JP" altLang="en-US" smtClean="0"/>
-              <a:t>2019/4/22</a:t>
+              <a:t>2019/4/23</a:t>
             </a:fld>
             <a:endParaRPr kumimoji="1" lang="ja-JP" altLang="en-US"/>
           </a:p>
@@ -2653,7 +2653,7 @@
           <a:p>
             <a:fld id="{2490B311-9796-4759-B0A0-BCF9ED8AC9C1}" type="datetimeFigureOut">
               <a:rPr kumimoji="1" lang="ja-JP" altLang="en-US" smtClean="0"/>
-              <a:t>2019/4/22</a:t>
+              <a:t>2019/4/23</a:t>
             </a:fld>
             <a:endParaRPr kumimoji="1" lang="ja-JP" altLang="en-US"/>
           </a:p>
@@ -2996,7 +2996,7 @@
           <a:p>
             <a:fld id="{2490B311-9796-4759-B0A0-BCF9ED8AC9C1}" type="datetimeFigureOut">
               <a:rPr kumimoji="1" lang="ja-JP" altLang="en-US" smtClean="0"/>
-              <a:t>2019/4/22</a:t>
+              <a:t>2019/4/23</a:t>
             </a:fld>
             <a:endParaRPr kumimoji="1" lang="ja-JP" altLang="en-US"/>
           </a:p>
@@ -3284,7 +3284,7 @@
           <a:p>
             <a:fld id="{2490B311-9796-4759-B0A0-BCF9ED8AC9C1}" type="datetimeFigureOut">
               <a:rPr kumimoji="1" lang="ja-JP" altLang="en-US" smtClean="0"/>
-              <a:t>2019/4/22</a:t>
+              <a:t>2019/4/23</a:t>
             </a:fld>
             <a:endParaRPr kumimoji="1" lang="ja-JP" altLang="en-US"/>
           </a:p>
@@ -3557,7 +3557,7 @@
           <a:p>
             <a:fld id="{2490B311-9796-4759-B0A0-BCF9ED8AC9C1}" type="datetimeFigureOut">
               <a:rPr kumimoji="1" lang="ja-JP" altLang="en-US" smtClean="0"/>
-              <a:t>2019/4/22</a:t>
+              <a:t>2019/4/23</a:t>
             </a:fld>
             <a:endParaRPr kumimoji="1" lang="ja-JP" altLang="en-US"/>
           </a:p>
@@ -6346,7 +6346,7 @@
             </a:r>
             <a:r>
               <a:rPr lang="en-US" altLang="ja-JP" dirty="0"/>
-              <a:t>{eazy_b1nary!})</a:t>
+              <a:t>{easy_b1nary!})</a:t>
             </a:r>
             <a:endParaRPr kumimoji="1" lang="en-US" altLang="ja-JP" dirty="0"/>
           </a:p>

--- a/Writeup.pptx
+++ b/Writeup.pptx
@@ -21,6 +21,7 @@
     <p:sldId id="269" r:id="rId15"/>
     <p:sldId id="270" r:id="rId16"/>
     <p:sldId id="271" r:id="rId17"/>
+    <p:sldId id="272" r:id="rId18"/>
   </p:sldIdLst>
   <p:sldSz cx="12192000" cy="6858000"/>
   <p:notesSz cx="6858000" cy="9144000"/>
@@ -619,7 +620,7 @@
           <a:p>
             <a:fld id="{2490B311-9796-4759-B0A0-BCF9ED8AC9C1}" type="datetimeFigureOut">
               <a:rPr kumimoji="1" lang="ja-JP" altLang="en-US" smtClean="0"/>
-              <a:t>2019/4/23</a:t>
+              <a:t>2019/4/30</a:t>
             </a:fld>
             <a:endParaRPr kumimoji="1" lang="ja-JP" altLang="en-US"/>
           </a:p>
@@ -849,7 +850,7 @@
           <a:p>
             <a:fld id="{2490B311-9796-4759-B0A0-BCF9ED8AC9C1}" type="datetimeFigureOut">
               <a:rPr kumimoji="1" lang="ja-JP" altLang="en-US" smtClean="0"/>
-              <a:t>2019/4/23</a:t>
+              <a:t>2019/4/30</a:t>
             </a:fld>
             <a:endParaRPr kumimoji="1" lang="ja-JP" altLang="en-US"/>
           </a:p>
@@ -1089,7 +1090,7 @@
           <a:p>
             <a:fld id="{2490B311-9796-4759-B0A0-BCF9ED8AC9C1}" type="datetimeFigureOut">
               <a:rPr kumimoji="1" lang="ja-JP" altLang="en-US" smtClean="0"/>
-              <a:t>2019/4/23</a:t>
+              <a:t>2019/4/30</a:t>
             </a:fld>
             <a:endParaRPr kumimoji="1" lang="ja-JP" altLang="en-US"/>
           </a:p>
@@ -1319,7 +1320,7 @@
           <a:p>
             <a:fld id="{2490B311-9796-4759-B0A0-BCF9ED8AC9C1}" type="datetimeFigureOut">
               <a:rPr kumimoji="1" lang="ja-JP" altLang="en-US" smtClean="0"/>
-              <a:t>2019/4/23</a:t>
+              <a:t>2019/4/30</a:t>
             </a:fld>
             <a:endParaRPr kumimoji="1" lang="ja-JP" altLang="en-US"/>
           </a:p>
@@ -1594,7 +1595,7 @@
           <a:p>
             <a:fld id="{2490B311-9796-4759-B0A0-BCF9ED8AC9C1}" type="datetimeFigureOut">
               <a:rPr kumimoji="1" lang="ja-JP" altLang="en-US" smtClean="0"/>
-              <a:t>2019/4/23</a:t>
+              <a:t>2019/4/30</a:t>
             </a:fld>
             <a:endParaRPr kumimoji="1" lang="ja-JP" altLang="en-US"/>
           </a:p>
@@ -1923,7 +1924,7 @@
           <a:p>
             <a:fld id="{2490B311-9796-4759-B0A0-BCF9ED8AC9C1}" type="datetimeFigureOut">
               <a:rPr kumimoji="1" lang="ja-JP" altLang="en-US" smtClean="0"/>
-              <a:t>2019/4/23</a:t>
+              <a:t>2019/4/30</a:t>
             </a:fld>
             <a:endParaRPr kumimoji="1" lang="ja-JP" altLang="en-US"/>
           </a:p>
@@ -2399,7 +2400,7 @@
           <a:p>
             <a:fld id="{2490B311-9796-4759-B0A0-BCF9ED8AC9C1}" type="datetimeFigureOut">
               <a:rPr kumimoji="1" lang="ja-JP" altLang="en-US" smtClean="0"/>
-              <a:t>2019/4/23</a:t>
+              <a:t>2019/4/30</a:t>
             </a:fld>
             <a:endParaRPr kumimoji="1" lang="ja-JP" altLang="en-US"/>
           </a:p>
@@ -2540,7 +2541,7 @@
           <a:p>
             <a:fld id="{2490B311-9796-4759-B0A0-BCF9ED8AC9C1}" type="datetimeFigureOut">
               <a:rPr kumimoji="1" lang="ja-JP" altLang="en-US" smtClean="0"/>
-              <a:t>2019/4/23</a:t>
+              <a:t>2019/4/30</a:t>
             </a:fld>
             <a:endParaRPr kumimoji="1" lang="ja-JP" altLang="en-US"/>
           </a:p>
@@ -2653,7 +2654,7 @@
           <a:p>
             <a:fld id="{2490B311-9796-4759-B0A0-BCF9ED8AC9C1}" type="datetimeFigureOut">
               <a:rPr kumimoji="1" lang="ja-JP" altLang="en-US" smtClean="0"/>
-              <a:t>2019/4/23</a:t>
+              <a:t>2019/4/30</a:t>
             </a:fld>
             <a:endParaRPr kumimoji="1" lang="ja-JP" altLang="en-US"/>
           </a:p>
@@ -2996,7 +2997,7 @@
           <a:p>
             <a:fld id="{2490B311-9796-4759-B0A0-BCF9ED8AC9C1}" type="datetimeFigureOut">
               <a:rPr kumimoji="1" lang="ja-JP" altLang="en-US" smtClean="0"/>
-              <a:t>2019/4/23</a:t>
+              <a:t>2019/4/30</a:t>
             </a:fld>
             <a:endParaRPr kumimoji="1" lang="ja-JP" altLang="en-US"/>
           </a:p>
@@ -3284,7 +3285,7 @@
           <a:p>
             <a:fld id="{2490B311-9796-4759-B0A0-BCF9ED8AC9C1}" type="datetimeFigureOut">
               <a:rPr kumimoji="1" lang="ja-JP" altLang="en-US" smtClean="0"/>
-              <a:t>2019/4/23</a:t>
+              <a:t>2019/4/30</a:t>
             </a:fld>
             <a:endParaRPr kumimoji="1" lang="ja-JP" altLang="en-US"/>
           </a:p>
@@ -3557,7 +3558,7 @@
           <a:p>
             <a:fld id="{2490B311-9796-4759-B0A0-BCF9ED8AC9C1}" type="datetimeFigureOut">
               <a:rPr kumimoji="1" lang="ja-JP" altLang="en-US" smtClean="0"/>
-              <a:t>2019/4/23</a:t>
+              <a:t>2019/4/30</a:t>
             </a:fld>
             <a:endParaRPr kumimoji="1" lang="ja-JP" altLang="en-US"/>
           </a:p>
@@ -6134,6 +6135,90 @@
 </p:sld>
 </file>
 
+<file path=ppt/slides/slide17.xml><?xml version="1.0" encoding="utf-8"?>
+<p:sld xmlns:a="http://schemas.openxmlformats.org/drawingml/2006/main" xmlns:r="http://schemas.openxmlformats.org/officeDocument/2006/relationships" xmlns:p="http://schemas.openxmlformats.org/presentationml/2006/main">
+  <p:cSld>
+    <p:spTree>
+      <p:nvGrpSpPr>
+        <p:cNvPr id="1" name=""/>
+        <p:cNvGrpSpPr/>
+        <p:nvPr/>
+      </p:nvGrpSpPr>
+      <p:grpSpPr>
+        <a:xfrm>
+          <a:off x="0" y="0"/>
+          <a:ext cx="0" cy="0"/>
+          <a:chOff x="0" y="0"/>
+          <a:chExt cx="0" cy="0"/>
+        </a:xfrm>
+      </p:grpSpPr>
+      <p:sp>
+        <p:nvSpPr>
+          <p:cNvPr id="2" name="タイトル 1">
+            <a:extLst>
+              <a:ext uri="{FF2B5EF4-FFF2-40B4-BE49-F238E27FC236}">
+                <a16:creationId xmlns:a16="http://schemas.microsoft.com/office/drawing/2014/main" id="{6BE1E17D-5974-44B3-9E74-C8CC4197F2AD}"/>
+              </a:ext>
+            </a:extLst>
+          </p:cNvPr>
+          <p:cNvSpPr>
+            <a:spLocks noGrp="1"/>
+          </p:cNvSpPr>
+          <p:nvPr>
+            <p:ph type="title"/>
+          </p:nvPr>
+        </p:nvSpPr>
+        <p:spPr/>
+        <p:txBody>
+          <a:bodyPr/>
+          <a:lstStyle/>
+          <a:p>
+            <a:r>
+              <a:rPr kumimoji="1" lang="en-US" altLang="ja-JP" dirty="0"/>
+              <a:t>Web1</a:t>
+            </a:r>
+            <a:endParaRPr kumimoji="1" lang="ja-JP" altLang="en-US" dirty="0"/>
+          </a:p>
+        </p:txBody>
+      </p:sp>
+      <p:sp>
+        <p:nvSpPr>
+          <p:cNvPr id="3" name="コンテンツ プレースホルダー 2">
+            <a:extLst>
+              <a:ext uri="{FF2B5EF4-FFF2-40B4-BE49-F238E27FC236}">
+                <a16:creationId xmlns:a16="http://schemas.microsoft.com/office/drawing/2014/main" id="{E9034C69-C20D-4FAE-B40A-25AD2B9BF6F2}"/>
+              </a:ext>
+            </a:extLst>
+          </p:cNvPr>
+          <p:cNvSpPr>
+            <a:spLocks noGrp="1"/>
+          </p:cNvSpPr>
+          <p:nvPr>
+            <p:ph idx="1"/>
+          </p:nvPr>
+        </p:nvSpPr>
+        <p:spPr/>
+        <p:txBody>
+          <a:bodyPr/>
+          <a:lstStyle/>
+          <a:p>
+            <a:endParaRPr kumimoji="1" lang="ja-JP" altLang="en-US" dirty="0"/>
+          </a:p>
+        </p:txBody>
+      </p:sp>
+    </p:spTree>
+    <p:extLst>
+      <p:ext uri="{BB962C8B-B14F-4D97-AF65-F5344CB8AC3E}">
+        <p14:creationId xmlns:p14="http://schemas.microsoft.com/office/powerpoint/2010/main" val="2080611522"/>
+      </p:ext>
+    </p:extLst>
+  </p:cSld>
+  <p:clrMapOvr>
+    <a:masterClrMapping/>
+  </p:clrMapOvr>
+</p:sld>
+</file>
+
 <file path=ppt/slides/slide2.xml><?xml version="1.0" encoding="utf-8"?>
 <p:sld xmlns:a="http://schemas.openxmlformats.org/drawingml/2006/main" xmlns:r="http://schemas.openxmlformats.org/officeDocument/2006/relationships" xmlns:p="http://schemas.openxmlformats.org/presentationml/2006/main">
   <p:cSld>

--- a/Writeup.pptx
+++ b/Writeup.pptx
@@ -22,6 +22,8 @@
     <p:sldId id="270" r:id="rId16"/>
     <p:sldId id="271" r:id="rId17"/>
     <p:sldId id="272" r:id="rId18"/>
+    <p:sldId id="273" r:id="rId19"/>
+    <p:sldId id="274" r:id="rId20"/>
   </p:sldIdLst>
   <p:sldSz cx="12192000" cy="6858000"/>
   <p:notesSz cx="6858000" cy="9144000"/>
@@ -6197,19 +6199,466 @@
             <p:ph idx="1"/>
           </p:nvPr>
         </p:nvSpPr>
-        <p:spPr/>
+        <p:spPr>
+          <a:xfrm>
+            <a:off x="838200" y="1825625"/>
+            <a:ext cx="10515600" cy="4351338"/>
+          </a:xfrm>
+        </p:spPr>
         <p:txBody>
           <a:bodyPr/>
           <a:lstStyle/>
           <a:p>
+            <a:pPr marL="0" indent="0">
+              <a:buNone/>
+            </a:pPr>
+            <a:r>
+              <a:rPr lang="ja-JP" altLang="en-US" dirty="0"/>
+              <a:t>・</a:t>
+            </a:r>
+            <a:r>
+              <a:rPr lang="en-US" altLang="ja-JP" dirty="0"/>
+              <a:t>Cookie</a:t>
+            </a:r>
+            <a:r>
+              <a:rPr lang="ja-JP" altLang="en-US" dirty="0"/>
+              <a:t>を見るだけ</a:t>
+            </a:r>
+            <a:r>
+              <a:rPr lang="en-US" altLang="ja-JP" dirty="0"/>
+              <a:t>(‘{‘,’}’</a:t>
+            </a:r>
+            <a:r>
+              <a:rPr lang="ja-JP" altLang="en-US" dirty="0"/>
+              <a:t>が</a:t>
+            </a:r>
+            <a:r>
+              <a:rPr lang="en-US" altLang="ja-JP" dirty="0"/>
+              <a:t>URL</a:t>
+            </a:r>
+            <a:r>
+              <a:rPr lang="ja-JP" altLang="en-US" dirty="0"/>
+              <a:t>エンコードされてるので直す</a:t>
+            </a:r>
+            <a:r>
+              <a:rPr lang="en-US" altLang="ja-JP" dirty="0"/>
+              <a:t>)</a:t>
+            </a:r>
+          </a:p>
+          <a:p>
+            <a:pPr marL="0" indent="0">
+              <a:buNone/>
+            </a:pPr>
             <a:endParaRPr kumimoji="1" lang="ja-JP" altLang="en-US" dirty="0"/>
           </a:p>
         </p:txBody>
       </p:sp>
+      <p:pic>
+        <p:nvPicPr>
+          <p:cNvPr id="4" name="図 3">
+            <a:extLst>
+              <a:ext uri="{FF2B5EF4-FFF2-40B4-BE49-F238E27FC236}">
+                <a16:creationId xmlns:a16="http://schemas.microsoft.com/office/drawing/2014/main" id="{331D470C-DC43-4262-B046-4E49EEE5F874}"/>
+              </a:ext>
+            </a:extLst>
+          </p:cNvPr>
+          <p:cNvPicPr>
+            <a:picLocks noChangeAspect="1"/>
+          </p:cNvPicPr>
+          <p:nvPr/>
+        </p:nvPicPr>
+        <p:blipFill>
+          <a:blip r:embed="rId2"/>
+          <a:stretch>
+            <a:fillRect/>
+          </a:stretch>
+        </p:blipFill>
+        <p:spPr>
+          <a:xfrm>
+            <a:off x="2773192" y="3011649"/>
+            <a:ext cx="8073351" cy="1996320"/>
+          </a:xfrm>
+          <a:prstGeom prst="rect">
+            <a:avLst/>
+          </a:prstGeom>
+        </p:spPr>
+      </p:pic>
     </p:spTree>
     <p:extLst>
       <p:ext uri="{BB962C8B-B14F-4D97-AF65-F5344CB8AC3E}">
         <p14:creationId xmlns:p14="http://schemas.microsoft.com/office/powerpoint/2010/main" val="2080611522"/>
+      </p:ext>
+    </p:extLst>
+  </p:cSld>
+  <p:clrMapOvr>
+    <a:masterClrMapping/>
+  </p:clrMapOvr>
+</p:sld>
+</file>
+
+<file path=ppt/slides/slide18.xml><?xml version="1.0" encoding="utf-8"?>
+<p:sld xmlns:a="http://schemas.openxmlformats.org/drawingml/2006/main" xmlns:r="http://schemas.openxmlformats.org/officeDocument/2006/relationships" xmlns:p="http://schemas.openxmlformats.org/presentationml/2006/main">
+  <p:cSld>
+    <p:spTree>
+      <p:nvGrpSpPr>
+        <p:cNvPr id="1" name=""/>
+        <p:cNvGrpSpPr/>
+        <p:nvPr/>
+      </p:nvGrpSpPr>
+      <p:grpSpPr>
+        <a:xfrm>
+          <a:off x="0" y="0"/>
+          <a:ext cx="0" cy="0"/>
+          <a:chOff x="0" y="0"/>
+          <a:chExt cx="0" cy="0"/>
+        </a:xfrm>
+      </p:grpSpPr>
+      <p:sp>
+        <p:nvSpPr>
+          <p:cNvPr id="2" name="タイトル 1">
+            <a:extLst>
+              <a:ext uri="{FF2B5EF4-FFF2-40B4-BE49-F238E27FC236}">
+                <a16:creationId xmlns:a16="http://schemas.microsoft.com/office/drawing/2014/main" id="{C9F4875C-72A9-45C1-B276-56C385874C2C}"/>
+              </a:ext>
+            </a:extLst>
+          </p:cNvPr>
+          <p:cNvSpPr>
+            <a:spLocks noGrp="1"/>
+          </p:cNvSpPr>
+          <p:nvPr>
+            <p:ph type="title"/>
+          </p:nvPr>
+        </p:nvSpPr>
+        <p:spPr/>
+        <p:txBody>
+          <a:bodyPr/>
+          <a:lstStyle/>
+          <a:p>
+            <a:r>
+              <a:rPr kumimoji="1" lang="en-US" altLang="ja-JP" dirty="0"/>
+              <a:t>Web2</a:t>
+            </a:r>
+            <a:endParaRPr kumimoji="1" lang="ja-JP" altLang="en-US" dirty="0"/>
+          </a:p>
+        </p:txBody>
+      </p:sp>
+      <p:sp>
+        <p:nvSpPr>
+          <p:cNvPr id="3" name="コンテンツ プレースホルダー 2">
+            <a:extLst>
+              <a:ext uri="{FF2B5EF4-FFF2-40B4-BE49-F238E27FC236}">
+                <a16:creationId xmlns:a16="http://schemas.microsoft.com/office/drawing/2014/main" id="{A16CCCA5-F340-481D-915E-CDEB2E62BF3D}"/>
+              </a:ext>
+            </a:extLst>
+          </p:cNvPr>
+          <p:cNvSpPr>
+            <a:spLocks noGrp="1"/>
+          </p:cNvSpPr>
+          <p:nvPr>
+            <p:ph idx="1"/>
+          </p:nvPr>
+        </p:nvSpPr>
+        <p:spPr/>
+        <p:txBody>
+          <a:bodyPr>
+            <a:normAutofit/>
+          </a:bodyPr>
+          <a:lstStyle/>
+          <a:p>
+            <a:pPr marL="0" indent="0">
+              <a:buNone/>
+            </a:pPr>
+            <a:r>
+              <a:rPr lang="ja-JP" altLang="en-US" sz="2000" dirty="0"/>
+              <a:t>・特殊文字がエスケープされてるかチェックする</a:t>
+            </a:r>
+            <a:endParaRPr lang="en-US" altLang="ja-JP" sz="2000" dirty="0"/>
+          </a:p>
+          <a:p>
+            <a:pPr marL="0" indent="0">
+              <a:buNone/>
+            </a:pPr>
+            <a:r>
+              <a:rPr kumimoji="1" lang="en-US" altLang="ja-JP" sz="2000" dirty="0"/>
+              <a:t>    </a:t>
+            </a:r>
+            <a:r>
+              <a:rPr lang="en-US" altLang="ja-JP" sz="2000" dirty="0"/>
+              <a:t>(name: </a:t>
+            </a:r>
+            <a:r>
+              <a:rPr lang="en-US" altLang="ja-JP" sz="2000" dirty="0" err="1"/>
+              <a:t>hoge</a:t>
+            </a:r>
+            <a:r>
+              <a:rPr lang="en-US" altLang="ja-JP" sz="2000" dirty="0"/>
+              <a:t>;’”{} pass: </a:t>
+            </a:r>
+            <a:r>
+              <a:rPr lang="en-US" altLang="ja-JP" sz="2000" dirty="0" err="1"/>
+              <a:t>hoge</a:t>
+            </a:r>
+            <a:r>
+              <a:rPr lang="en-US" altLang="ja-JP" sz="2000" dirty="0"/>
+              <a:t>;’”{})</a:t>
+            </a:r>
+          </a:p>
+          <a:p>
+            <a:pPr marL="0" indent="0">
+              <a:buNone/>
+            </a:pPr>
+            <a:r>
+              <a:rPr lang="ja-JP" altLang="en-US" sz="2000" dirty="0"/>
+              <a:t>・実効するとエラーが返ってくる</a:t>
+            </a:r>
+            <a:endParaRPr lang="en-US" altLang="ja-JP" sz="2000" dirty="0"/>
+          </a:p>
+          <a:p>
+            <a:pPr marL="0" indent="0">
+              <a:buNone/>
+            </a:pPr>
+            <a:r>
+              <a:rPr lang="ja-JP" altLang="en-US" sz="2000" dirty="0"/>
+              <a:t>・よく見ると</a:t>
+            </a:r>
+            <a:r>
+              <a:rPr lang="en-US" altLang="ja-JP" sz="2000" dirty="0"/>
+              <a:t>name</a:t>
+            </a:r>
+            <a:r>
+              <a:rPr lang="ja-JP" altLang="en-US" sz="2000" dirty="0"/>
+              <a:t>がエスケープされずにクエリに渡されているため引き起こされていることがわかる</a:t>
+            </a:r>
+            <a:endParaRPr lang="en-US" altLang="ja-JP" sz="2000" dirty="0"/>
+          </a:p>
+          <a:p>
+            <a:pPr marL="0" indent="0">
+              <a:buNone/>
+            </a:pPr>
+            <a:r>
+              <a:rPr lang="ja-JP" altLang="en-US" sz="2000" dirty="0"/>
+              <a:t>・</a:t>
+            </a:r>
+            <a:r>
+              <a:rPr lang="en-US" altLang="ja-JP" sz="2000" dirty="0"/>
+              <a:t>AND</a:t>
+            </a:r>
+            <a:r>
+              <a:rPr lang="ja-JP" altLang="en-US" sz="2000" dirty="0"/>
+              <a:t> </a:t>
+            </a:r>
+            <a:r>
+              <a:rPr lang="en-US" altLang="ja-JP" sz="2000" dirty="0"/>
+              <a:t>password</a:t>
+            </a:r>
+            <a:r>
+              <a:rPr lang="ja-JP" altLang="en-US" sz="2000" dirty="0"/>
+              <a:t> </a:t>
+            </a:r>
+            <a:r>
+              <a:rPr lang="en-US" altLang="ja-JP" sz="2000" dirty="0"/>
+              <a:t>= ‘</a:t>
+            </a:r>
+            <a:r>
+              <a:rPr lang="en-US" altLang="ja-JP" sz="2000" dirty="0" err="1"/>
+              <a:t>hoge</a:t>
+            </a:r>
+            <a:r>
+              <a:rPr lang="en-US" altLang="ja-JP" sz="2000" dirty="0"/>
+              <a:t>;\’\“{}‘’</a:t>
+            </a:r>
+            <a:r>
+              <a:rPr lang="ja-JP" altLang="en-US" sz="2000" dirty="0"/>
+              <a:t>となっていることから</a:t>
+            </a:r>
+            <a:r>
+              <a:rPr lang="en-US" altLang="ja-JP" sz="2000" dirty="0"/>
+              <a:t>,</a:t>
+            </a:r>
+          </a:p>
+          <a:p>
+            <a:pPr marL="0" indent="0">
+              <a:buNone/>
+            </a:pPr>
+            <a:r>
+              <a:rPr lang="en-US" altLang="ja-JP" sz="2000" dirty="0"/>
+              <a:t>    select * from </a:t>
+            </a:r>
+            <a:r>
+              <a:rPr lang="en-US" altLang="ja-JP" sz="2000" dirty="0" err="1"/>
+              <a:t>hoge</a:t>
+            </a:r>
+            <a:r>
+              <a:rPr lang="en-US" altLang="ja-JP" sz="2000" dirty="0"/>
+              <a:t> where name = ‘</a:t>
+            </a:r>
+            <a:r>
+              <a:rPr lang="en-US" altLang="ja-JP" sz="2000" dirty="0" err="1"/>
+              <a:t>hoge</a:t>
+            </a:r>
+            <a:r>
+              <a:rPr lang="en-US" altLang="ja-JP" sz="2000" dirty="0"/>
+              <a:t>’ and password = ‘</a:t>
+            </a:r>
+            <a:r>
+              <a:rPr lang="en-US" altLang="ja-JP" sz="2000" dirty="0" err="1"/>
+              <a:t>hoge</a:t>
+            </a:r>
+            <a:r>
+              <a:rPr lang="en-US" altLang="ja-JP" sz="2000" dirty="0"/>
+              <a:t>’;</a:t>
+            </a:r>
+            <a:r>
+              <a:rPr lang="ja-JP" altLang="en-US" sz="2000" dirty="0"/>
+              <a:t>の形が予想できる</a:t>
+            </a:r>
+            <a:endParaRPr lang="en-US" altLang="ja-JP" sz="2000" dirty="0"/>
+          </a:p>
+          <a:p>
+            <a:pPr marL="0" indent="0">
+              <a:buNone/>
+            </a:pPr>
+            <a:r>
+              <a:rPr lang="ja-JP" altLang="en-US" sz="2000" dirty="0"/>
+              <a:t>・</a:t>
+            </a:r>
+            <a:r>
+              <a:rPr lang="en-US" altLang="ja-JP" sz="2000" dirty="0"/>
+              <a:t>admin</a:t>
+            </a:r>
+            <a:r>
+              <a:rPr lang="ja-JP" altLang="en-US" sz="2000" dirty="0"/>
+              <a:t>でログインしたいので</a:t>
+            </a:r>
+            <a:r>
+              <a:rPr lang="en-US" altLang="ja-JP" sz="2000" dirty="0"/>
+              <a:t>, </a:t>
+            </a:r>
+          </a:p>
+          <a:p>
+            <a:pPr marL="0" indent="0">
+              <a:buNone/>
+            </a:pPr>
+            <a:r>
+              <a:rPr lang="en-US" altLang="ja-JP" sz="2000" dirty="0"/>
+              <a:t>    admin‘ OR ’1‘ = ‘1</a:t>
+            </a:r>
+          </a:p>
+          <a:p>
+            <a:pPr marL="0" indent="0">
+              <a:buNone/>
+            </a:pPr>
+            <a:r>
+              <a:rPr lang="ja-JP" altLang="en-US" sz="2000" dirty="0"/>
+              <a:t>　を投げると</a:t>
+            </a:r>
+            <a:r>
+              <a:rPr lang="en-US" altLang="ja-JP" sz="2000" dirty="0"/>
+              <a:t>Flag(</a:t>
+            </a:r>
+            <a:r>
+              <a:rPr lang="en-US" altLang="ja-JP" sz="2000" dirty="0" err="1"/>
+              <a:t>oitctf</a:t>
+            </a:r>
+            <a:r>
+              <a:rPr lang="en-US" altLang="ja-JP" sz="2000" dirty="0"/>
+              <a:t>{</a:t>
+            </a:r>
+            <a:r>
+              <a:rPr lang="en-US" altLang="ja-JP" sz="2000" dirty="0" err="1"/>
+              <a:t>s!mple_inject!on</a:t>
+            </a:r>
+            <a:r>
+              <a:rPr lang="en-US" altLang="ja-JP" sz="2000" dirty="0"/>
+              <a:t>}).</a:t>
+            </a:r>
+          </a:p>
+        </p:txBody>
+      </p:sp>
+    </p:spTree>
+    <p:extLst>
+      <p:ext uri="{BB962C8B-B14F-4D97-AF65-F5344CB8AC3E}">
+        <p14:creationId xmlns:p14="http://schemas.microsoft.com/office/powerpoint/2010/main" val="3331019017"/>
+      </p:ext>
+    </p:extLst>
+  </p:cSld>
+  <p:clrMapOvr>
+    <a:masterClrMapping/>
+  </p:clrMapOvr>
+</p:sld>
+</file>
+
+<file path=ppt/slides/slide19.xml><?xml version="1.0" encoding="utf-8"?>
+<p:sld xmlns:a="http://schemas.openxmlformats.org/drawingml/2006/main" xmlns:r="http://schemas.openxmlformats.org/officeDocument/2006/relationships" xmlns:p="http://schemas.openxmlformats.org/presentationml/2006/main">
+  <p:cSld>
+    <p:spTree>
+      <p:nvGrpSpPr>
+        <p:cNvPr id="1" name=""/>
+        <p:cNvGrpSpPr/>
+        <p:nvPr/>
+      </p:nvGrpSpPr>
+      <p:grpSpPr>
+        <a:xfrm>
+          <a:off x="0" y="0"/>
+          <a:ext cx="0" cy="0"/>
+          <a:chOff x="0" y="0"/>
+          <a:chExt cx="0" cy="0"/>
+        </a:xfrm>
+      </p:grpSpPr>
+      <p:sp>
+        <p:nvSpPr>
+          <p:cNvPr id="2" name="タイトル 1">
+            <a:extLst>
+              <a:ext uri="{FF2B5EF4-FFF2-40B4-BE49-F238E27FC236}">
+                <a16:creationId xmlns:a16="http://schemas.microsoft.com/office/drawing/2014/main" id="{B75B2DE1-3A7E-4EBC-940E-49A124EFFE02}"/>
+              </a:ext>
+            </a:extLst>
+          </p:cNvPr>
+          <p:cNvSpPr>
+            <a:spLocks noGrp="1"/>
+          </p:cNvSpPr>
+          <p:nvPr>
+            <p:ph type="title"/>
+          </p:nvPr>
+        </p:nvSpPr>
+        <p:spPr/>
+        <p:txBody>
+          <a:bodyPr/>
+          <a:lstStyle/>
+          <a:p>
+            <a:endParaRPr kumimoji="1" lang="ja-JP" altLang="en-US"/>
+          </a:p>
+        </p:txBody>
+      </p:sp>
+      <p:sp>
+        <p:nvSpPr>
+          <p:cNvPr id="3" name="コンテンツ プレースホルダー 2">
+            <a:extLst>
+              <a:ext uri="{FF2B5EF4-FFF2-40B4-BE49-F238E27FC236}">
+                <a16:creationId xmlns:a16="http://schemas.microsoft.com/office/drawing/2014/main" id="{EE004A72-26E6-4B22-BEDD-18A4233F5221}"/>
+              </a:ext>
+            </a:extLst>
+          </p:cNvPr>
+          <p:cNvSpPr>
+            <a:spLocks noGrp="1"/>
+          </p:cNvSpPr>
+          <p:nvPr>
+            <p:ph idx="1"/>
+          </p:nvPr>
+        </p:nvSpPr>
+        <p:spPr/>
+        <p:txBody>
+          <a:bodyPr/>
+          <a:lstStyle/>
+          <a:p>
+            <a:endParaRPr kumimoji="1" lang="ja-JP" altLang="en-US"/>
+          </a:p>
+        </p:txBody>
+      </p:sp>
+    </p:spTree>
+    <p:extLst>
+      <p:ext uri="{BB962C8B-B14F-4D97-AF65-F5344CB8AC3E}">
+        <p14:creationId xmlns:p14="http://schemas.microsoft.com/office/powerpoint/2010/main" val="1668480594"/>
       </p:ext>
     </p:extLst>
   </p:cSld>

--- a/Writeup.pptx
+++ b/Writeup.pptx
@@ -24,6 +24,7 @@
     <p:sldId id="272" r:id="rId18"/>
     <p:sldId id="273" r:id="rId19"/>
     <p:sldId id="274" r:id="rId20"/>
+    <p:sldId id="275" r:id="rId21"/>
   </p:sldIdLst>
   <p:sldSz cx="12192000" cy="6858000"/>
   <p:notesSz cx="6858000" cy="9144000"/>
@@ -6626,7 +6627,11 @@
           <a:bodyPr/>
           <a:lstStyle/>
           <a:p>
-            <a:endParaRPr kumimoji="1" lang="ja-JP" altLang="en-US"/>
+            <a:r>
+              <a:rPr kumimoji="1" lang="en-US" altLang="ja-JP" dirty="0"/>
+              <a:t>Web3</a:t>
+            </a:r>
+            <a:endParaRPr kumimoji="1" lang="ja-JP" altLang="en-US" dirty="0"/>
           </a:p>
         </p:txBody>
       </p:sp>
@@ -6648,13 +6653,196 @@
         </p:nvSpPr>
         <p:spPr/>
         <p:txBody>
-          <a:bodyPr/>
+          <a:bodyPr>
+            <a:normAutofit/>
+          </a:bodyPr>
           <a:lstStyle/>
           <a:p>
-            <a:endParaRPr kumimoji="1" lang="ja-JP" altLang="en-US"/>
-          </a:p>
-        </p:txBody>
-      </p:sp>
+            <a:pPr marL="0" indent="0">
+              <a:buNone/>
+            </a:pPr>
+            <a:r>
+              <a:rPr lang="ja-JP" altLang="en-US" sz="2400" dirty="0"/>
+              <a:t>・</a:t>
+            </a:r>
+            <a:r>
+              <a:rPr lang="en-US" altLang="ja-JP" sz="2400" dirty="0"/>
+              <a:t>URL</a:t>
+            </a:r>
+            <a:r>
+              <a:rPr lang="ja-JP" altLang="en-US" sz="2400" dirty="0"/>
+              <a:t>に注目すると</a:t>
+            </a:r>
+            <a:r>
+              <a:rPr lang="en-US" altLang="ja-JP" sz="2400" dirty="0"/>
+              <a:t>?page=</a:t>
+            </a:r>
+            <a:r>
+              <a:rPr lang="en-US" altLang="ja-JP" sz="2400" dirty="0" err="1"/>
+              <a:t>hoge</a:t>
+            </a:r>
+            <a:r>
+              <a:rPr lang="ja-JP" altLang="en-US" sz="2400" dirty="0"/>
+              <a:t>の形でファイルをインクルードしていることがわかる</a:t>
+            </a:r>
+            <a:r>
+              <a:rPr lang="en-US" altLang="ja-JP" sz="2400" dirty="0"/>
+              <a:t>(</a:t>
+            </a:r>
+            <a:r>
+              <a:rPr lang="ja-JP" altLang="en-US" sz="2400" dirty="0"/>
+              <a:t>適当な文字を入れるとエラーがでる</a:t>
+            </a:r>
+            <a:r>
+              <a:rPr lang="en-US" altLang="ja-JP" sz="2400" dirty="0"/>
+              <a:t>)</a:t>
+            </a:r>
+          </a:p>
+          <a:p>
+            <a:pPr marL="0" indent="0">
+              <a:buNone/>
+            </a:pPr>
+            <a:r>
+              <a:rPr lang="ja-JP" altLang="en-US" sz="2400" dirty="0"/>
+              <a:t>・</a:t>
+            </a:r>
+            <a:r>
+              <a:rPr lang="en-US" altLang="ja-JP" sz="2400" dirty="0"/>
+              <a:t>flag</a:t>
+            </a:r>
+            <a:r>
+              <a:rPr lang="ja-JP" altLang="en-US" sz="2400" dirty="0"/>
+              <a:t>のリンクを開くと</a:t>
+            </a:r>
+            <a:r>
+              <a:rPr lang="en-US" altLang="ja-JP" sz="2400" dirty="0"/>
+              <a:t>Flag</a:t>
+            </a:r>
+            <a:r>
+              <a:rPr lang="ja-JP" altLang="en-US" sz="2400" dirty="0"/>
+              <a:t>は</a:t>
+            </a:r>
+            <a:r>
+              <a:rPr lang="en-US" altLang="ja-JP" sz="2400" dirty="0" err="1"/>
+              <a:t>flag.php</a:t>
+            </a:r>
+            <a:r>
+              <a:rPr lang="ja-JP" altLang="en-US" sz="2400" dirty="0"/>
+              <a:t>のなかに隠されていることがわかる</a:t>
+            </a:r>
+            <a:endParaRPr lang="en-US" altLang="ja-JP" sz="2400" dirty="0"/>
+          </a:p>
+          <a:p>
+            <a:pPr marL="0" indent="0">
+              <a:buNone/>
+            </a:pPr>
+            <a:endParaRPr lang="en-US" altLang="ja-JP" sz="2400" dirty="0"/>
+          </a:p>
+          <a:p>
+            <a:pPr marL="0" indent="0">
+              <a:buNone/>
+            </a:pPr>
+            <a:endParaRPr lang="en-US" altLang="ja-JP" sz="2400" dirty="0"/>
+          </a:p>
+          <a:p>
+            <a:pPr marL="0" indent="0">
+              <a:buNone/>
+            </a:pPr>
+            <a:r>
+              <a:rPr lang="ja-JP" altLang="en-US" sz="2400" dirty="0"/>
+              <a:t>・</a:t>
+            </a:r>
+            <a:r>
+              <a:rPr lang="en-US" altLang="ja-JP" sz="2400" dirty="0"/>
+              <a:t>flag</a:t>
+            </a:r>
+            <a:r>
+              <a:rPr lang="ja-JP" altLang="en-US" sz="2400" dirty="0"/>
+              <a:t>のリンクは</a:t>
+            </a:r>
+            <a:r>
+              <a:rPr lang="en-US" altLang="ja-JP" sz="2400" dirty="0"/>
+              <a:t>?page=flag</a:t>
+            </a:r>
+            <a:r>
+              <a:rPr lang="ja-JP" altLang="en-US" sz="2400" dirty="0"/>
+              <a:t>となっているため、おそらく</a:t>
+            </a:r>
+            <a:r>
+              <a:rPr lang="en-US" altLang="ja-JP" sz="2400" dirty="0"/>
+              <a:t>PHP</a:t>
+            </a:r>
+            <a:r>
+              <a:rPr lang="ja-JP" altLang="en-US" sz="2400" dirty="0"/>
+              <a:t>上で</a:t>
+            </a:r>
+            <a:r>
+              <a:rPr lang="en-US" altLang="ja-JP" sz="2400" dirty="0"/>
+              <a:t>”.php”</a:t>
+            </a:r>
+            <a:r>
+              <a:rPr lang="ja-JP" altLang="en-US" sz="2400" dirty="0"/>
+              <a:t>を追加してファイルをインクルードしてると予測できる</a:t>
+            </a:r>
+            <a:endParaRPr lang="en-US" altLang="ja-JP" sz="2400" dirty="0"/>
+          </a:p>
+          <a:p>
+            <a:pPr marL="0" indent="0">
+              <a:buNone/>
+            </a:pPr>
+            <a:r>
+              <a:rPr lang="ja-JP" altLang="en-US" sz="2400" dirty="0"/>
+              <a:t>・</a:t>
+            </a:r>
+            <a:r>
+              <a:rPr lang="en-US" altLang="ja-JP" sz="2400" dirty="0" err="1"/>
+              <a:t>url_include</a:t>
+            </a:r>
+            <a:r>
+              <a:rPr lang="ja-JP" altLang="en-US" sz="2400" dirty="0"/>
+              <a:t>が許可されているということは</a:t>
+            </a:r>
+            <a:r>
+              <a:rPr lang="en-US" altLang="ja-JP" sz="2400" dirty="0"/>
+              <a:t>stream filter</a:t>
+            </a:r>
+            <a:r>
+              <a:rPr lang="ja-JP" altLang="en-US" sz="2400" dirty="0"/>
+              <a:t>を通すことで任意のファイルを表示することができる可能性がある</a:t>
+            </a:r>
+            <a:endParaRPr lang="en-US" altLang="ja-JP" sz="2400" dirty="0"/>
+          </a:p>
+        </p:txBody>
+      </p:sp>
+      <p:pic>
+        <p:nvPicPr>
+          <p:cNvPr id="4" name="図 3">
+            <a:extLst>
+              <a:ext uri="{FF2B5EF4-FFF2-40B4-BE49-F238E27FC236}">
+                <a16:creationId xmlns:a16="http://schemas.microsoft.com/office/drawing/2014/main" id="{EA0A12E5-D54C-4ECE-A282-650163DE5B6A}"/>
+              </a:ext>
+            </a:extLst>
+          </p:cNvPr>
+          <p:cNvPicPr>
+            <a:picLocks noChangeAspect="1"/>
+          </p:cNvPicPr>
+          <p:nvPr/>
+        </p:nvPicPr>
+        <p:blipFill rotWithShape="1">
+          <a:blip r:embed="rId2"/>
+          <a:srcRect l="-327" t="10850" r="327" b="39932"/>
+          <a:stretch/>
+        </p:blipFill>
+        <p:spPr>
+          <a:xfrm>
+            <a:off x="4386192" y="3106701"/>
+            <a:ext cx="2562583" cy="644597"/>
+          </a:xfrm>
+          <a:prstGeom prst="rect">
+            <a:avLst/>
+          </a:prstGeom>
+        </p:spPr>
+      </p:pic>
     </p:spTree>
     <p:extLst>
       <p:ext uri="{BB962C8B-B14F-4D97-AF65-F5344CB8AC3E}">
@@ -6970,6 +7158,168 @@
     <p:extLst>
       <p:ext uri="{BB962C8B-B14F-4D97-AF65-F5344CB8AC3E}">
         <p14:creationId xmlns:p14="http://schemas.microsoft.com/office/powerpoint/2010/main" val="883103303"/>
+      </p:ext>
+    </p:extLst>
+  </p:cSld>
+  <p:clrMapOvr>
+    <a:masterClrMapping/>
+  </p:clrMapOvr>
+</p:sld>
+</file>
+
+<file path=ppt/slides/slide20.xml><?xml version="1.0" encoding="utf-8"?>
+<p:sld xmlns:a="http://schemas.openxmlformats.org/drawingml/2006/main" xmlns:r="http://schemas.openxmlformats.org/officeDocument/2006/relationships" xmlns:p="http://schemas.openxmlformats.org/presentationml/2006/main">
+  <p:cSld>
+    <p:spTree>
+      <p:nvGrpSpPr>
+        <p:cNvPr id="1" name=""/>
+        <p:cNvGrpSpPr/>
+        <p:nvPr/>
+      </p:nvGrpSpPr>
+      <p:grpSpPr>
+        <a:xfrm>
+          <a:off x="0" y="0"/>
+          <a:ext cx="0" cy="0"/>
+          <a:chOff x="0" y="0"/>
+          <a:chExt cx="0" cy="0"/>
+        </a:xfrm>
+      </p:grpSpPr>
+      <p:sp>
+        <p:nvSpPr>
+          <p:cNvPr id="2" name="タイトル 1">
+            <a:extLst>
+              <a:ext uri="{FF2B5EF4-FFF2-40B4-BE49-F238E27FC236}">
+                <a16:creationId xmlns:a16="http://schemas.microsoft.com/office/drawing/2014/main" id="{01B7B5C8-7639-4A2D-9A3B-BC425CE9A70C}"/>
+              </a:ext>
+            </a:extLst>
+          </p:cNvPr>
+          <p:cNvSpPr>
+            <a:spLocks noGrp="1"/>
+          </p:cNvSpPr>
+          <p:nvPr>
+            <p:ph type="title"/>
+          </p:nvPr>
+        </p:nvSpPr>
+        <p:spPr/>
+        <p:txBody>
+          <a:bodyPr/>
+          <a:lstStyle/>
+          <a:p>
+            <a:r>
+              <a:rPr kumimoji="1" lang="en-US" altLang="ja-JP" dirty="0"/>
+              <a:t>Web3</a:t>
+            </a:r>
+            <a:endParaRPr kumimoji="1" lang="ja-JP" altLang="en-US" dirty="0"/>
+          </a:p>
+        </p:txBody>
+      </p:sp>
+      <p:sp>
+        <p:nvSpPr>
+          <p:cNvPr id="3" name="コンテンツ プレースホルダー 2">
+            <a:extLst>
+              <a:ext uri="{FF2B5EF4-FFF2-40B4-BE49-F238E27FC236}">
+                <a16:creationId xmlns:a16="http://schemas.microsoft.com/office/drawing/2014/main" id="{C720DE3F-191A-4B50-9982-31230932D8C2}"/>
+              </a:ext>
+            </a:extLst>
+          </p:cNvPr>
+          <p:cNvSpPr>
+            <a:spLocks noGrp="1"/>
+          </p:cNvSpPr>
+          <p:nvPr>
+            <p:ph idx="1"/>
+          </p:nvPr>
+        </p:nvSpPr>
+        <p:spPr/>
+        <p:txBody>
+          <a:bodyPr/>
+          <a:lstStyle/>
+          <a:p>
+            <a:pPr marL="0" indent="0">
+              <a:buNone/>
+            </a:pPr>
+            <a:r>
+              <a:rPr lang="ja-JP" altLang="en-US" dirty="0"/>
+              <a:t>・</a:t>
+            </a:r>
+            <a:r>
+              <a:rPr lang="fr-FR" altLang="ja-JP" sz="2000" dirty="0"/>
+              <a:t>index.php?page=php://filter/convert.base64-encode/resource=flag</a:t>
+            </a:r>
+            <a:r>
+              <a:rPr lang="ja-JP" altLang="en-US" sz="2000" dirty="0"/>
+              <a:t>で</a:t>
+            </a:r>
+            <a:r>
+              <a:rPr lang="en-US" altLang="ja-JP" sz="2000" dirty="0" err="1"/>
+              <a:t>flag.php</a:t>
+            </a:r>
+            <a:r>
+              <a:rPr lang="ja-JP" altLang="en-US" sz="2000" dirty="0"/>
+              <a:t>のソースコードを抜き出す</a:t>
+            </a:r>
+            <a:endParaRPr lang="en-US" altLang="ja-JP" sz="2000" dirty="0"/>
+          </a:p>
+          <a:p>
+            <a:pPr marL="0" indent="0">
+              <a:buNone/>
+            </a:pPr>
+            <a:r>
+              <a:rPr lang="ja-JP" altLang="en-US" dirty="0"/>
+              <a:t>・</a:t>
+            </a:r>
+            <a:r>
+              <a:rPr lang="ja-JP" altLang="en-US" sz="1800" dirty="0"/>
+              <a:t>出てきた</a:t>
+            </a:r>
+            <a:r>
+              <a:rPr lang="en-US" altLang="ja-JP" sz="1800" dirty="0"/>
+              <a:t>base64</a:t>
+            </a:r>
+            <a:r>
+              <a:rPr lang="ja-JP" altLang="en-US" sz="1800" dirty="0"/>
+              <a:t>文字列をデコードすると</a:t>
+            </a:r>
+            <a:r>
+              <a:rPr lang="en-US" altLang="ja-JP" sz="1800" dirty="0"/>
+              <a:t>flag</a:t>
+            </a:r>
+            <a:endParaRPr kumimoji="1" lang="ja-JP" altLang="en-US" dirty="0"/>
+          </a:p>
+        </p:txBody>
+      </p:sp>
+      <p:pic>
+        <p:nvPicPr>
+          <p:cNvPr id="4" name="図 3">
+            <a:extLst>
+              <a:ext uri="{FF2B5EF4-FFF2-40B4-BE49-F238E27FC236}">
+                <a16:creationId xmlns:a16="http://schemas.microsoft.com/office/drawing/2014/main" id="{11C38498-92B0-4495-9AF6-A829A47B7012}"/>
+              </a:ext>
+            </a:extLst>
+          </p:cNvPr>
+          <p:cNvPicPr>
+            <a:picLocks noChangeAspect="1"/>
+          </p:cNvPicPr>
+          <p:nvPr/>
+        </p:nvPicPr>
+        <p:blipFill rotWithShape="1">
+          <a:blip r:embed="rId2"/>
+          <a:srcRect l="2075" t="4898" r="5855" b="6651"/>
+          <a:stretch/>
+        </p:blipFill>
+        <p:spPr>
+          <a:xfrm>
+            <a:off x="4833345" y="3689059"/>
+            <a:ext cx="6835742" cy="2315362"/>
+          </a:xfrm>
+          <a:prstGeom prst="rect">
+            <a:avLst/>
+          </a:prstGeom>
+        </p:spPr>
+      </p:pic>
+    </p:spTree>
+    <p:extLst>
+      <p:ext uri="{BB962C8B-B14F-4D97-AF65-F5344CB8AC3E}">
+        <p14:creationId xmlns:p14="http://schemas.microsoft.com/office/powerpoint/2010/main" val="3743677541"/>
       </p:ext>
     </p:extLst>
   </p:cSld>

--- a/Writeup.pptx
+++ b/Writeup.pptx
@@ -16,8 +16,8 @@
     <p:sldId id="264" r:id="rId10"/>
     <p:sldId id="265" r:id="rId11"/>
     <p:sldId id="266" r:id="rId12"/>
-    <p:sldId id="267" r:id="rId13"/>
-    <p:sldId id="268" r:id="rId14"/>
+    <p:sldId id="268" r:id="rId13"/>
+    <p:sldId id="267" r:id="rId14"/>
     <p:sldId id="269" r:id="rId15"/>
     <p:sldId id="270" r:id="rId16"/>
     <p:sldId id="271" r:id="rId17"/>
@@ -5078,7 +5078,7 @@
           <p:cNvPr id="2" name="タイトル 1">
             <a:extLst>
               <a:ext uri="{FF2B5EF4-FFF2-40B4-BE49-F238E27FC236}">
-                <a16:creationId xmlns:a16="http://schemas.microsoft.com/office/drawing/2014/main" id="{236CBE10-0252-4195-948C-F28D71A69C8E}"/>
+                <a16:creationId xmlns:a16="http://schemas.microsoft.com/office/drawing/2014/main" id="{AD081FDD-8867-44AB-9677-9E2B68A47EF0}"/>
               </a:ext>
             </a:extLst>
           </p:cNvPr>
@@ -5089,292 +5089,229 @@
             <p:ph type="title"/>
           </p:nvPr>
         </p:nvSpPr>
+        <p:spPr/>
+        <p:txBody>
+          <a:bodyPr/>
+          <a:lstStyle/>
+          <a:p>
+            <a:r>
+              <a:rPr kumimoji="1" lang="en-US" altLang="ja-JP" dirty="0"/>
+              <a:t>Forensics2</a:t>
+            </a:r>
+            <a:endParaRPr kumimoji="1" lang="ja-JP" altLang="en-US" dirty="0"/>
+          </a:p>
+        </p:txBody>
+      </p:sp>
+      <p:sp>
+        <p:nvSpPr>
+          <p:cNvPr id="3" name="コンテンツ プレースホルダー 2">
+            <a:extLst>
+              <a:ext uri="{FF2B5EF4-FFF2-40B4-BE49-F238E27FC236}">
+                <a16:creationId xmlns:a16="http://schemas.microsoft.com/office/drawing/2014/main" id="{223949C4-6CEE-4087-A71D-6E51B4C3A41D}"/>
+              </a:ext>
+            </a:extLst>
+          </p:cNvPr>
+          <p:cNvSpPr>
+            <a:spLocks noGrp="1"/>
+          </p:cNvSpPr>
+          <p:nvPr>
+            <p:ph idx="1"/>
+          </p:nvPr>
+        </p:nvSpPr>
+        <p:spPr/>
+        <p:txBody>
+          <a:bodyPr/>
+          <a:lstStyle/>
+          <a:p>
+            <a:pPr marL="0" indent="0">
+              <a:buNone/>
+            </a:pPr>
+            <a:r>
+              <a:rPr lang="ja-JP" altLang="en-US" dirty="0"/>
+              <a:t>・</a:t>
+            </a:r>
+            <a:r>
+              <a:rPr lang="en-US" altLang="ja-JP" dirty="0"/>
+              <a:t>forensics2.pcap</a:t>
+            </a:r>
+            <a:r>
+              <a:rPr lang="ja-JP" altLang="en-US" dirty="0"/>
+              <a:t>が渡されるので</a:t>
+            </a:r>
+            <a:r>
+              <a:rPr lang="en-US" altLang="ja-JP" dirty="0" err="1"/>
+              <a:t>wireshark</a:t>
+            </a:r>
+            <a:r>
+              <a:rPr lang="ja-JP" altLang="en-US" dirty="0"/>
+              <a:t>で解析する</a:t>
+            </a:r>
+            <a:r>
+              <a:rPr lang="en-US" altLang="ja-JP" dirty="0"/>
+              <a:t>.</a:t>
+            </a:r>
+          </a:p>
+          <a:p>
+            <a:pPr marL="0" indent="0">
+              <a:buNone/>
+            </a:pPr>
+            <a:r>
+              <a:rPr kumimoji="1" lang="ja-JP" altLang="en-US" dirty="0"/>
+              <a:t>・</a:t>
+            </a:r>
+            <a:r>
+              <a:rPr kumimoji="1" lang="en-US" altLang="ja-JP" dirty="0"/>
+              <a:t>HTTP</a:t>
+            </a:r>
+            <a:r>
+              <a:rPr lang="ja-JP" altLang="en-US" dirty="0"/>
+              <a:t>プロトコルがいるので</a:t>
+            </a:r>
+            <a:r>
+              <a:rPr lang="en-US" altLang="ja-JP" dirty="0"/>
+              <a:t>Export</a:t>
+            </a:r>
+            <a:r>
+              <a:rPr lang="ja-JP" altLang="en-US" dirty="0"/>
+              <a:t> </a:t>
+            </a:r>
+            <a:r>
+              <a:rPr lang="en-US" altLang="ja-JP" dirty="0"/>
+              <a:t>HTTP</a:t>
+            </a:r>
+            <a:r>
+              <a:rPr lang="ja-JP" altLang="en-US" dirty="0"/>
+              <a:t>して通信データを復元する</a:t>
+            </a:r>
+            <a:r>
+              <a:rPr lang="en-US" altLang="ja-JP" dirty="0"/>
+              <a:t>.</a:t>
+            </a:r>
+          </a:p>
+          <a:p>
+            <a:pPr marL="0" indent="0">
+              <a:buNone/>
+            </a:pPr>
+            <a:r>
+              <a:rPr kumimoji="1" lang="ja-JP" altLang="en-US" dirty="0"/>
+              <a:t>・</a:t>
+            </a:r>
+            <a:r>
+              <a:rPr lang="en-US" altLang="ja-JP" dirty="0"/>
+              <a:t>html</a:t>
+            </a:r>
+            <a:r>
+              <a:rPr lang="ja-JP" altLang="en-US" dirty="0"/>
+              <a:t>ファイルと</a:t>
+            </a:r>
+            <a:r>
+              <a:rPr lang="en-US" altLang="ja-JP" dirty="0"/>
+              <a:t>jpg</a:t>
+            </a:r>
+            <a:r>
+              <a:rPr lang="ja-JP" altLang="en-US" dirty="0"/>
+              <a:t>ファイルがあるのが分かる</a:t>
+            </a:r>
+            <a:r>
+              <a:rPr lang="en-US" altLang="ja-JP" dirty="0"/>
+              <a:t>.</a:t>
+            </a:r>
+          </a:p>
+          <a:p>
+            <a:pPr marL="0" indent="0">
+              <a:buNone/>
+            </a:pPr>
+            <a:r>
+              <a:rPr kumimoji="1" lang="ja-JP" altLang="en-US" dirty="0"/>
+              <a:t>・</a:t>
+            </a:r>
+            <a:r>
+              <a:rPr kumimoji="1" lang="en-US" altLang="ja-JP" dirty="0"/>
+              <a:t>jpg</a:t>
+            </a:r>
+            <a:r>
+              <a:rPr kumimoji="1" lang="ja-JP" altLang="en-US" dirty="0"/>
+              <a:t>を開くと</a:t>
+            </a:r>
+            <a:r>
+              <a:rPr kumimoji="1" lang="en-US" altLang="ja-JP" dirty="0"/>
+              <a:t>flag</a:t>
+            </a:r>
+            <a:r>
+              <a:rPr kumimoji="1" lang="ja-JP" altLang="en-US" dirty="0"/>
+              <a:t>が書いてある</a:t>
+            </a:r>
+            <a:r>
+              <a:rPr kumimoji="1" lang="en-US" altLang="ja-JP" dirty="0"/>
+              <a:t>.(</a:t>
+            </a:r>
+            <a:r>
+              <a:rPr kumimoji="1" lang="en-US" altLang="ja-JP" dirty="0" err="1"/>
+              <a:t>oitctf</a:t>
+            </a:r>
+            <a:r>
+              <a:rPr kumimoji="1" lang="en-US" altLang="ja-JP" dirty="0"/>
+              <a:t>{</a:t>
+            </a:r>
+            <a:r>
+              <a:rPr kumimoji="1" lang="en-US" altLang="ja-JP" dirty="0" err="1"/>
+              <a:t>eazy</a:t>
+            </a:r>
+            <a:r>
+              <a:rPr lang="en-US" altLang="ja-JP" dirty="0" err="1"/>
+              <a:t>_pcap</a:t>
+            </a:r>
+            <a:r>
+              <a:rPr lang="en-US" altLang="ja-JP" dirty="0"/>
+              <a:t>}</a:t>
+            </a:r>
+            <a:r>
+              <a:rPr kumimoji="1" lang="en-US" altLang="ja-JP" dirty="0"/>
+              <a:t>)</a:t>
+            </a:r>
+          </a:p>
+        </p:txBody>
+      </p:sp>
+      <p:pic>
+        <p:nvPicPr>
+          <p:cNvPr id="5" name="図 4">
+            <a:extLst>
+              <a:ext uri="{FF2B5EF4-FFF2-40B4-BE49-F238E27FC236}">
+                <a16:creationId xmlns:a16="http://schemas.microsoft.com/office/drawing/2014/main" id="{31D6B37B-E2E1-4F59-9F46-9283D72A7488}"/>
+              </a:ext>
+            </a:extLst>
+          </p:cNvPr>
+          <p:cNvPicPr>
+            <a:picLocks noChangeAspect="1"/>
+          </p:cNvPicPr>
+          <p:nvPr/>
+        </p:nvPicPr>
+        <p:blipFill>
+          <a:blip r:embed="rId2">
+            <a:extLst>
+              <a:ext uri="{28A0092B-C50C-407E-A947-70E740481C1C}">
+                <a14:useLocalDpi xmlns:a14="http://schemas.microsoft.com/office/drawing/2010/main" val="0"/>
+              </a:ext>
+            </a:extLst>
+          </a:blip>
+          <a:stretch>
+            <a:fillRect/>
+          </a:stretch>
+        </p:blipFill>
         <p:spPr>
           <a:xfrm>
-            <a:off x="838200" y="365125"/>
-            <a:ext cx="10515600" cy="1325563"/>
+            <a:off x="8697156" y="4193558"/>
+            <a:ext cx="3552589" cy="2664442"/>
           </a:xfrm>
+          <a:prstGeom prst="rect">
+            <a:avLst/>
+          </a:prstGeom>
         </p:spPr>
-        <p:txBody>
-          <a:bodyPr/>
-          <a:lstStyle/>
-          <a:p>
-            <a:r>
-              <a:rPr kumimoji="1" lang="en-US" altLang="ja-JP" dirty="0"/>
-              <a:t>Forensics2</a:t>
-            </a:r>
-            <a:endParaRPr kumimoji="1" lang="ja-JP" altLang="en-US" dirty="0"/>
-          </a:p>
-        </p:txBody>
-      </p:sp>
-      <p:sp>
-        <p:nvSpPr>
-          <p:cNvPr id="3" name="コンテンツ プレースホルダー 2">
-            <a:extLst>
-              <a:ext uri="{FF2B5EF4-FFF2-40B4-BE49-F238E27FC236}">
-                <a16:creationId xmlns:a16="http://schemas.microsoft.com/office/drawing/2014/main" id="{6317E24B-0091-4BC5-B45F-DDA516D19587}"/>
-              </a:ext>
-            </a:extLst>
-          </p:cNvPr>
-          <p:cNvSpPr>
-            <a:spLocks noGrp="1"/>
-          </p:cNvSpPr>
-          <p:nvPr>
-            <p:ph idx="1"/>
-          </p:nvPr>
-        </p:nvSpPr>
-        <p:spPr/>
-        <p:txBody>
-          <a:bodyPr>
-            <a:normAutofit fontScale="92500" lnSpcReduction="10000"/>
-          </a:bodyPr>
-          <a:lstStyle/>
-          <a:p>
-            <a:pPr marL="0" indent="0">
-              <a:buNone/>
-            </a:pPr>
-            <a:r>
-              <a:rPr kumimoji="1" lang="ja-JP" altLang="en-US" dirty="0"/>
-              <a:t>・</a:t>
-            </a:r>
-            <a:r>
-              <a:rPr kumimoji="1" lang="en-US" altLang="ja-JP" dirty="0"/>
-              <a:t>KnownPlaintext.zip</a:t>
-            </a:r>
-            <a:r>
-              <a:rPr kumimoji="1" lang="ja-JP" altLang="en-US" dirty="0"/>
-              <a:t>と</a:t>
-            </a:r>
-            <a:r>
-              <a:rPr kumimoji="1" lang="en-US" altLang="ja-JP" dirty="0"/>
-              <a:t>plaintext</a:t>
-            </a:r>
-            <a:r>
-              <a:rPr kumimoji="1" lang="ja-JP" altLang="en-US" dirty="0"/>
-              <a:t>というファイルが</a:t>
-            </a:r>
-            <a:r>
-              <a:rPr lang="ja-JP" altLang="en-US" dirty="0"/>
-              <a:t>与えられる</a:t>
-            </a:r>
-            <a:r>
-              <a:rPr lang="en-US" altLang="ja-JP" dirty="0"/>
-              <a:t>.</a:t>
-            </a:r>
-          </a:p>
-          <a:p>
-            <a:pPr marL="0" indent="0">
-              <a:buNone/>
-            </a:pPr>
-            <a:r>
-              <a:rPr kumimoji="1" lang="ja-JP" altLang="en-US" dirty="0"/>
-              <a:t>・</a:t>
-            </a:r>
-            <a:r>
-              <a:rPr kumimoji="1" lang="en-US" altLang="ja-JP" dirty="0"/>
-              <a:t>zip</a:t>
-            </a:r>
-            <a:r>
-              <a:rPr kumimoji="1" lang="ja-JP" altLang="en-US" dirty="0"/>
-              <a:t>は鍵がかかっているため解凍できない</a:t>
-            </a:r>
-            <a:r>
-              <a:rPr kumimoji="1" lang="en-US" altLang="ja-JP" dirty="0"/>
-              <a:t>.</a:t>
-            </a:r>
-          </a:p>
-          <a:p>
-            <a:pPr marL="0" indent="0">
-              <a:buNone/>
-            </a:pPr>
-            <a:r>
-              <a:rPr lang="ja-JP" altLang="en-US" dirty="0"/>
-              <a:t>・</a:t>
-            </a:r>
-            <a:r>
-              <a:rPr lang="en-US" altLang="ja-JP" dirty="0"/>
-              <a:t>strings</a:t>
-            </a:r>
-            <a:r>
-              <a:rPr lang="ja-JP" altLang="en-US" dirty="0"/>
-              <a:t>コマンドで</a:t>
-            </a:r>
-            <a:r>
-              <a:rPr lang="en-US" altLang="ja-JP" dirty="0" err="1"/>
-              <a:t>KnownPlaintext</a:t>
-            </a:r>
-            <a:r>
-              <a:rPr lang="ja-JP" altLang="en-US" dirty="0"/>
-              <a:t>に</a:t>
-            </a:r>
-            <a:r>
-              <a:rPr lang="en-US" altLang="ja-JP" dirty="0"/>
-              <a:t>plaintext</a:t>
-            </a:r>
-            <a:r>
-              <a:rPr lang="ja-JP" altLang="en-US" dirty="0"/>
-              <a:t>が含まれているか確かめる</a:t>
-            </a:r>
-            <a:r>
-              <a:rPr lang="en-US" altLang="ja-JP" dirty="0"/>
-              <a:t>.(strings ./KnownPlaintext.zip | grep -5 plaintext)</a:t>
-            </a:r>
-          </a:p>
-          <a:p>
-            <a:pPr marL="0" indent="0">
-              <a:buNone/>
-            </a:pPr>
-            <a:r>
-              <a:rPr kumimoji="1" lang="ja-JP" altLang="en-US" dirty="0"/>
-              <a:t>・</a:t>
-            </a:r>
-            <a:r>
-              <a:rPr kumimoji="1" lang="en-US" altLang="ja-JP" dirty="0" err="1"/>
-              <a:t>KnownPlaintext</a:t>
-            </a:r>
-            <a:r>
-              <a:rPr kumimoji="1" lang="ja-JP" altLang="en-US" dirty="0" err="1"/>
-              <a:t>には</a:t>
-            </a:r>
-            <a:r>
-              <a:rPr kumimoji="1" lang="en-US" altLang="ja-JP" dirty="0"/>
-              <a:t>flag.bf</a:t>
-            </a:r>
-            <a:r>
-              <a:rPr kumimoji="1" lang="ja-JP" altLang="en-US" dirty="0"/>
-              <a:t>と</a:t>
-            </a:r>
-            <a:r>
-              <a:rPr kumimoji="1" lang="en-US" altLang="ja-JP" dirty="0"/>
-              <a:t>plaintext</a:t>
-            </a:r>
-            <a:r>
-              <a:rPr kumimoji="1" lang="ja-JP" altLang="en-US" dirty="0"/>
-              <a:t>が含まれていることが分かる</a:t>
-            </a:r>
-            <a:r>
-              <a:rPr kumimoji="1" lang="en-US" altLang="ja-JP" dirty="0"/>
-              <a:t>.</a:t>
-            </a:r>
-          </a:p>
-          <a:p>
-            <a:pPr marL="0" indent="0">
-              <a:buNone/>
-            </a:pPr>
-            <a:r>
-              <a:rPr lang="ja-JP" altLang="en-US" dirty="0"/>
-              <a:t>・鍵付き</a:t>
-            </a:r>
-            <a:r>
-              <a:rPr lang="en-US" altLang="ja-JP" dirty="0"/>
-              <a:t>zip</a:t>
-            </a:r>
-            <a:r>
-              <a:rPr lang="ja-JP" altLang="en-US" dirty="0"/>
-              <a:t>の中身と同じファイルがわかっている場合は既知平文攻撃が有効である</a:t>
-            </a:r>
-            <a:r>
-              <a:rPr lang="en-US" altLang="ja-JP" dirty="0"/>
-              <a:t>.(</a:t>
-            </a:r>
-            <a:r>
-              <a:rPr lang="en-US" altLang="ja-JP" dirty="0" err="1"/>
-              <a:t>pkcrack</a:t>
-            </a:r>
-            <a:r>
-              <a:rPr lang="ja-JP" altLang="en-US" dirty="0"/>
-              <a:t>というツールを使う</a:t>
-            </a:r>
-            <a:r>
-              <a:rPr lang="en-US" altLang="ja-JP" dirty="0"/>
-              <a:t>)</a:t>
-            </a:r>
-          </a:p>
-          <a:p>
-            <a:pPr marL="0" indent="0">
-              <a:buNone/>
-            </a:pPr>
-            <a:r>
-              <a:rPr kumimoji="1" lang="ja-JP" altLang="en-US" dirty="0"/>
-              <a:t>・</a:t>
-            </a:r>
-            <a:r>
-              <a:rPr kumimoji="1" lang="en-US" altLang="ja-JP" dirty="0" err="1"/>
-              <a:t>pkcrack</a:t>
-            </a:r>
-            <a:r>
-              <a:rPr kumimoji="1" lang="ja-JP" altLang="en-US" dirty="0"/>
-              <a:t>で攻撃を実行すると</a:t>
-            </a:r>
-            <a:r>
-              <a:rPr lang="en-US" altLang="ja-JP" dirty="0"/>
-              <a:t>zip</a:t>
-            </a:r>
-            <a:r>
-              <a:rPr lang="ja-JP" altLang="en-US" dirty="0"/>
-              <a:t>が解凍できる</a:t>
-            </a:r>
-            <a:endParaRPr lang="en-US" altLang="ja-JP" dirty="0"/>
-          </a:p>
-          <a:p>
-            <a:pPr marL="0" indent="0">
-              <a:buNone/>
-            </a:pPr>
-            <a:r>
-              <a:rPr kumimoji="1" lang="ja-JP" altLang="en-US" dirty="0"/>
-              <a:t>・</a:t>
-            </a:r>
-            <a:r>
-              <a:rPr kumimoji="1" lang="en-US" altLang="ja-JP" dirty="0"/>
-              <a:t>brainfuck</a:t>
-            </a:r>
-            <a:r>
-              <a:rPr kumimoji="1" lang="ja-JP" altLang="en-US" dirty="0"/>
-              <a:t>のソースがあるので実行すると</a:t>
-            </a:r>
-            <a:r>
-              <a:rPr kumimoji="1" lang="en-US" altLang="ja-JP" dirty="0"/>
-              <a:t>flag</a:t>
-            </a:r>
-          </a:p>
-          <a:p>
-            <a:pPr marL="0" indent="0">
-              <a:buNone/>
-            </a:pPr>
-            <a:r>
-              <a:rPr lang="en-US" altLang="ja-JP" dirty="0"/>
-              <a:t>    (</a:t>
-            </a:r>
-            <a:r>
-              <a:rPr lang="en-US" altLang="ja-JP" dirty="0" err="1"/>
-              <a:t>oitctf</a:t>
-            </a:r>
-            <a:r>
-              <a:rPr lang="en-US" altLang="ja-JP" dirty="0"/>
-              <a:t>{</a:t>
-            </a:r>
-            <a:r>
-              <a:rPr lang="en-US" altLang="ja-JP" dirty="0" err="1"/>
-              <a:t>known_plaintext_attack</a:t>
-            </a:r>
-            <a:r>
-              <a:rPr lang="en-US" altLang="ja-JP" dirty="0"/>
-              <a:t>})</a:t>
-            </a:r>
-            <a:endParaRPr kumimoji="1" lang="en-US" altLang="ja-JP" dirty="0"/>
-          </a:p>
-          <a:p>
-            <a:pPr marL="0" indent="0">
-              <a:buNone/>
-            </a:pPr>
-            <a:endParaRPr kumimoji="1" lang="ja-JP" altLang="en-US" dirty="0"/>
-          </a:p>
-        </p:txBody>
-      </p:sp>
+      </p:pic>
     </p:spTree>
     <p:extLst>
       <p:ext uri="{BB962C8B-B14F-4D97-AF65-F5344CB8AC3E}">
-        <p14:creationId xmlns:p14="http://schemas.microsoft.com/office/powerpoint/2010/main" val="4270439447"/>
+        <p14:creationId xmlns:p14="http://schemas.microsoft.com/office/powerpoint/2010/main" val="3251395633"/>
       </p:ext>
     </p:extLst>
   </p:cSld>
@@ -5406,7 +5343,7 @@
           <p:cNvPr id="2" name="タイトル 1">
             <a:extLst>
               <a:ext uri="{FF2B5EF4-FFF2-40B4-BE49-F238E27FC236}">
-                <a16:creationId xmlns:a16="http://schemas.microsoft.com/office/drawing/2014/main" id="{AD081FDD-8867-44AB-9677-9E2B68A47EF0}"/>
+                <a16:creationId xmlns:a16="http://schemas.microsoft.com/office/drawing/2014/main" id="{236CBE10-0252-4195-948C-F28D71A69C8E}"/>
               </a:ext>
             </a:extLst>
           </p:cNvPr>
@@ -5417,16 +5354,21 @@
             <p:ph type="title"/>
           </p:nvPr>
         </p:nvSpPr>
-        <p:spPr/>
+        <p:spPr>
+          <a:xfrm>
+            <a:off x="838200" y="365125"/>
+            <a:ext cx="10515600" cy="1325563"/>
+          </a:xfrm>
+        </p:spPr>
         <p:txBody>
           <a:bodyPr/>
           <a:lstStyle/>
           <a:p>
             <a:r>
-              <a:rPr kumimoji="1" lang="en-US" altLang="ja-JP"/>
+              <a:rPr kumimoji="1" lang="en-US" altLang="ja-JP" dirty="0"/>
               <a:t>Forensics3</a:t>
             </a:r>
-            <a:endParaRPr kumimoji="1" lang="ja-JP" altLang="en-US"/>
+            <a:endParaRPr kumimoji="1" lang="ja-JP" altLang="en-US" dirty="0"/>
           </a:p>
         </p:txBody>
       </p:sp>
@@ -5435,7 +5377,7 @@
           <p:cNvPr id="3" name="コンテンツ プレースホルダー 2">
             <a:extLst>
               <a:ext uri="{FF2B5EF4-FFF2-40B4-BE49-F238E27FC236}">
-                <a16:creationId xmlns:a16="http://schemas.microsoft.com/office/drawing/2014/main" id="{223949C4-6CEE-4087-A71D-6E51B4C3A41D}"/>
+                <a16:creationId xmlns:a16="http://schemas.microsoft.com/office/drawing/2014/main" id="{6317E24B-0091-4BC5-B45F-DDA516D19587}"/>
               </a:ext>
             </a:extLst>
           </p:cNvPr>
@@ -5448,34 +5390,40 @@
         </p:nvSpPr>
         <p:spPr/>
         <p:txBody>
-          <a:bodyPr/>
+          <a:bodyPr>
+            <a:normAutofit/>
+          </a:bodyPr>
           <a:lstStyle/>
           <a:p>
             <a:pPr marL="0" indent="0">
               <a:buNone/>
             </a:pPr>
             <a:r>
-              <a:rPr lang="ja-JP" altLang="en-US" dirty="0"/>
+              <a:rPr kumimoji="1" lang="ja-JP" altLang="en-US" sz="2000" dirty="0"/>
               <a:t>・</a:t>
             </a:r>
             <a:r>
-              <a:rPr lang="en-US" altLang="ja-JP" dirty="0"/>
-              <a:t>forensics3.pcap</a:t>
-            </a:r>
-            <a:r>
-              <a:rPr lang="ja-JP" altLang="en-US" dirty="0"/>
-              <a:t>が渡されるので</a:t>
-            </a:r>
-            <a:r>
-              <a:rPr lang="en-US" altLang="ja-JP" dirty="0" err="1"/>
-              <a:t>wireshark</a:t>
-            </a:r>
-            <a:r>
-              <a:rPr lang="ja-JP" altLang="en-US" dirty="0"/>
-              <a:t>で解析する</a:t>
-            </a:r>
-            <a:r>
-              <a:rPr lang="en-US" altLang="ja-JP" dirty="0"/>
+              <a:rPr kumimoji="1" lang="en-US" altLang="ja-JP" sz="2000" dirty="0"/>
+              <a:t>KnownPlaintext.zip</a:t>
+            </a:r>
+            <a:r>
+              <a:rPr kumimoji="1" lang="ja-JP" altLang="en-US" sz="2000" dirty="0"/>
+              <a:t>と</a:t>
+            </a:r>
+            <a:r>
+              <a:rPr kumimoji="1" lang="en-US" altLang="ja-JP" sz="2000" dirty="0"/>
+              <a:t>plaintext</a:t>
+            </a:r>
+            <a:r>
+              <a:rPr kumimoji="1" lang="ja-JP" altLang="en-US" sz="2000" dirty="0"/>
+              <a:t>というファイルが</a:t>
+            </a:r>
+            <a:r>
+              <a:rPr lang="ja-JP" altLang="en-US" sz="2000" dirty="0"/>
+              <a:t>与えられる</a:t>
+            </a:r>
+            <a:r>
+              <a:rPr lang="en-US" altLang="ja-JP" sz="2000" dirty="0"/>
               <a:t>.</a:t>
             </a:r>
           </a:p>
@@ -5484,35 +5432,19 @@
               <a:buNone/>
             </a:pPr>
             <a:r>
-              <a:rPr kumimoji="1" lang="ja-JP" altLang="en-US" dirty="0"/>
+              <a:rPr kumimoji="1" lang="ja-JP" altLang="en-US" sz="2000" dirty="0"/>
               <a:t>・</a:t>
             </a:r>
             <a:r>
-              <a:rPr kumimoji="1" lang="en-US" altLang="ja-JP" dirty="0"/>
-              <a:t>HTTP</a:t>
-            </a:r>
-            <a:r>
-              <a:rPr lang="ja-JP" altLang="en-US" dirty="0"/>
-              <a:t>プロトコルがいるので</a:t>
-            </a:r>
-            <a:r>
-              <a:rPr lang="en-US" altLang="ja-JP" dirty="0"/>
-              <a:t>Export</a:t>
-            </a:r>
-            <a:r>
-              <a:rPr lang="ja-JP" altLang="en-US" dirty="0"/>
-              <a:t> </a:t>
-            </a:r>
-            <a:r>
-              <a:rPr lang="en-US" altLang="ja-JP" dirty="0"/>
-              <a:t>HTTP</a:t>
-            </a:r>
-            <a:r>
-              <a:rPr lang="ja-JP" altLang="en-US" dirty="0"/>
-              <a:t>して通信データを復元する</a:t>
-            </a:r>
-            <a:r>
-              <a:rPr lang="en-US" altLang="ja-JP" dirty="0"/>
+              <a:rPr kumimoji="1" lang="en-US" altLang="ja-JP" sz="2000" dirty="0"/>
+              <a:t>zip</a:t>
+            </a:r>
+            <a:r>
+              <a:rPr kumimoji="1" lang="ja-JP" altLang="en-US" sz="2000" dirty="0"/>
+              <a:t>は鍵がかかっているため解凍できない</a:t>
+            </a:r>
+            <a:r>
+              <a:rPr kumimoji="1" lang="en-US" altLang="ja-JP" sz="2000" dirty="0"/>
               <a:t>.</a:t>
             </a:r>
           </a:p>
@@ -5521,27 +5453,72 @@
               <a:buNone/>
             </a:pPr>
             <a:r>
-              <a:rPr kumimoji="1" lang="ja-JP" altLang="en-US" dirty="0"/>
+              <a:rPr lang="ja-JP" altLang="en-US" sz="2000" dirty="0"/>
               <a:t>・</a:t>
             </a:r>
             <a:r>
-              <a:rPr lang="en-US" altLang="ja-JP" dirty="0"/>
-              <a:t>html</a:t>
-            </a:r>
-            <a:r>
-              <a:rPr lang="ja-JP" altLang="en-US" dirty="0"/>
-              <a:t>ファイルと</a:t>
-            </a:r>
-            <a:r>
-              <a:rPr lang="en-US" altLang="ja-JP" dirty="0"/>
-              <a:t>jpg</a:t>
-            </a:r>
-            <a:r>
-              <a:rPr lang="ja-JP" altLang="en-US" dirty="0"/>
-              <a:t>ファイルがあるのが分かる</a:t>
-            </a:r>
-            <a:r>
-              <a:rPr lang="en-US" altLang="ja-JP" dirty="0"/>
+              <a:rPr lang="en-US" altLang="ja-JP" sz="2000" dirty="0"/>
+              <a:t>strings</a:t>
+            </a:r>
+            <a:r>
+              <a:rPr lang="ja-JP" altLang="en-US" sz="2000" dirty="0"/>
+              <a:t>コマンドで</a:t>
+            </a:r>
+            <a:r>
+              <a:rPr lang="en-US" altLang="ja-JP" sz="2000" dirty="0" err="1"/>
+              <a:t>KnownPlaintext</a:t>
+            </a:r>
+            <a:r>
+              <a:rPr lang="ja-JP" altLang="en-US" sz="2000" dirty="0"/>
+              <a:t>に</a:t>
+            </a:r>
+            <a:r>
+              <a:rPr lang="en-US" altLang="ja-JP" sz="2000" dirty="0"/>
+              <a:t>plaintext</a:t>
+            </a:r>
+            <a:r>
+              <a:rPr lang="ja-JP" altLang="en-US" sz="2000" dirty="0"/>
+              <a:t>が含まれているか確かめる</a:t>
+            </a:r>
+            <a:r>
+              <a:rPr lang="en-US" altLang="ja-JP" sz="2000" dirty="0"/>
+              <a:t>.(strings ./KnownPlaintext.zip | grep -5 plaintext)</a:t>
+            </a:r>
+          </a:p>
+          <a:p>
+            <a:pPr marL="0" indent="0">
+              <a:buNone/>
+            </a:pPr>
+            <a:r>
+              <a:rPr kumimoji="1" lang="ja-JP" altLang="en-US" sz="2000" dirty="0"/>
+              <a:t>・</a:t>
+            </a:r>
+            <a:r>
+              <a:rPr kumimoji="1" lang="en-US" altLang="ja-JP" sz="2000" dirty="0" err="1"/>
+              <a:t>KnownPlaintext</a:t>
+            </a:r>
+            <a:r>
+              <a:rPr kumimoji="1" lang="ja-JP" altLang="en-US" sz="2000" dirty="0" err="1"/>
+              <a:t>には</a:t>
+            </a:r>
+            <a:r>
+              <a:rPr kumimoji="1" lang="en-US" altLang="ja-JP" sz="2000" dirty="0"/>
+              <a:t>flag.bf</a:t>
+            </a:r>
+            <a:r>
+              <a:rPr kumimoji="1" lang="ja-JP" altLang="en-US" sz="2000" dirty="0"/>
+              <a:t>と</a:t>
+            </a:r>
+            <a:r>
+              <a:rPr kumimoji="1" lang="en-US" altLang="ja-JP" sz="2000" dirty="0"/>
+              <a:t>plaintext</a:t>
+            </a:r>
+            <a:r>
+              <a:rPr kumimoji="1" lang="ja-JP" altLang="en-US" sz="2000" dirty="0"/>
+              <a:t>が含まれていることが分かる</a:t>
+            </a:r>
+            <a:r>
+              <a:rPr kumimoji="1" lang="en-US" altLang="ja-JP" sz="2000" dirty="0"/>
               <a:t>.</a:t>
             </a:r>
           </a:p>
@@ -5550,96 +5527,119 @@
               <a:buNone/>
             </a:pPr>
             <a:r>
-              <a:rPr kumimoji="1" lang="ja-JP" altLang="en-US" dirty="0"/>
+              <a:rPr lang="ja-JP" altLang="en-US" sz="2000" dirty="0"/>
+              <a:t>・鍵付き</a:t>
+            </a:r>
+            <a:r>
+              <a:rPr lang="en-US" altLang="ja-JP" sz="2000" dirty="0"/>
+              <a:t>zip</a:t>
+            </a:r>
+            <a:r>
+              <a:rPr lang="ja-JP" altLang="en-US" sz="2000" dirty="0"/>
+              <a:t>の中身と同じファイルがわかっている場合は既知平文攻撃が有効である</a:t>
+            </a:r>
+            <a:r>
+              <a:rPr lang="en-US" altLang="ja-JP" sz="2000" dirty="0"/>
+              <a:t>.(</a:t>
+            </a:r>
+            <a:r>
+              <a:rPr lang="en-US" altLang="ja-JP" sz="2000" dirty="0" err="1"/>
+              <a:t>pkcrack</a:t>
+            </a:r>
+            <a:r>
+              <a:rPr lang="ja-JP" altLang="en-US" sz="2000" dirty="0"/>
+              <a:t>というツールを使う</a:t>
+            </a:r>
+            <a:r>
+              <a:rPr lang="en-US" altLang="ja-JP" sz="2000" dirty="0"/>
+              <a:t>)</a:t>
+            </a:r>
+          </a:p>
+          <a:p>
+            <a:pPr marL="0" indent="0">
+              <a:buNone/>
+            </a:pPr>
+            <a:r>
+              <a:rPr kumimoji="1" lang="ja-JP" altLang="en-US" sz="2000" dirty="0"/>
               <a:t>・</a:t>
             </a:r>
             <a:r>
-              <a:rPr kumimoji="1" lang="en-US" altLang="ja-JP" dirty="0"/>
-              <a:t>jpg</a:t>
-            </a:r>
-            <a:r>
-              <a:rPr kumimoji="1" lang="ja-JP" altLang="en-US" dirty="0"/>
-              <a:t>を開くと</a:t>
-            </a:r>
-            <a:r>
-              <a:rPr kumimoji="1" lang="en-US" altLang="ja-JP" dirty="0"/>
+              <a:rPr kumimoji="1" lang="en-US" altLang="ja-JP" sz="2000" dirty="0" err="1"/>
+              <a:t>pkcrack</a:t>
+            </a:r>
+            <a:r>
+              <a:rPr kumimoji="1" lang="ja-JP" altLang="en-US" sz="2000" dirty="0"/>
+              <a:t>で攻撃を実行すると</a:t>
+            </a:r>
+            <a:r>
+              <a:rPr lang="en-US" altLang="ja-JP" sz="2000" dirty="0"/>
+              <a:t>zip</a:t>
+            </a:r>
+            <a:r>
+              <a:rPr lang="ja-JP" altLang="en-US" sz="2000" dirty="0"/>
+              <a:t>が解凍できる</a:t>
+            </a:r>
+            <a:endParaRPr lang="en-US" altLang="ja-JP" sz="2000" dirty="0"/>
+          </a:p>
+          <a:p>
+            <a:pPr marL="0" indent="0">
+              <a:buNone/>
+            </a:pPr>
+            <a:r>
+              <a:rPr kumimoji="1" lang="ja-JP" altLang="en-US" sz="2000" dirty="0"/>
+              <a:t>・</a:t>
+            </a:r>
+            <a:r>
+              <a:rPr kumimoji="1" lang="en-US" altLang="ja-JP" sz="2000" dirty="0"/>
+              <a:t>brainfuck</a:t>
+            </a:r>
+            <a:r>
+              <a:rPr kumimoji="1" lang="ja-JP" altLang="en-US" sz="2000" dirty="0"/>
+              <a:t>のソースがあるので実行すると</a:t>
+            </a:r>
+            <a:r>
+              <a:rPr kumimoji="1" lang="en-US" altLang="ja-JP" sz="2000" dirty="0"/>
               <a:t>flag</a:t>
             </a:r>
-            <a:r>
-              <a:rPr kumimoji="1" lang="ja-JP" altLang="en-US" dirty="0"/>
-              <a:t>が書いてある</a:t>
-            </a:r>
-            <a:r>
-              <a:rPr kumimoji="1" lang="en-US" altLang="ja-JP" dirty="0"/>
-              <a:t>.(</a:t>
-            </a:r>
-            <a:r>
-              <a:rPr kumimoji="1" lang="en-US" altLang="ja-JP" dirty="0" err="1"/>
+          </a:p>
+          <a:p>
+            <a:pPr marL="0" indent="0">
+              <a:buNone/>
+            </a:pPr>
+            <a:r>
+              <a:rPr lang="en-US" altLang="ja-JP" sz="2000" dirty="0"/>
+              <a:t>    (</a:t>
+            </a:r>
+            <a:r>
+              <a:rPr lang="en-US" altLang="ja-JP" sz="2000" dirty="0" err="1"/>
               <a:t>oitctf</a:t>
             </a:r>
             <a:r>
-              <a:rPr kumimoji="1" lang="en-US" altLang="ja-JP" dirty="0"/>
+              <a:rPr lang="en-US" altLang="ja-JP" sz="2000" dirty="0"/>
               <a:t>{</a:t>
             </a:r>
             <a:r>
-              <a:rPr kumimoji="1" lang="en-US" altLang="ja-JP" dirty="0" err="1"/>
-              <a:t>eazy</a:t>
-            </a:r>
-            <a:r>
-              <a:rPr lang="en-US" altLang="ja-JP" dirty="0" err="1"/>
-              <a:t>_pcap</a:t>
-            </a:r>
-            <a:r>
-              <a:rPr lang="en-US" altLang="ja-JP" dirty="0"/>
-              <a:t>}</a:t>
-            </a:r>
-            <a:r>
-              <a:rPr kumimoji="1" lang="en-US" altLang="ja-JP" dirty="0"/>
-              <a:t>)</a:t>
-            </a:r>
-          </a:p>
-        </p:txBody>
-      </p:sp>
-      <p:pic>
-        <p:nvPicPr>
-          <p:cNvPr id="5" name="図 4">
-            <a:extLst>
-              <a:ext uri="{FF2B5EF4-FFF2-40B4-BE49-F238E27FC236}">
-                <a16:creationId xmlns:a16="http://schemas.microsoft.com/office/drawing/2014/main" id="{31D6B37B-E2E1-4F59-9F46-9283D72A7488}"/>
-              </a:ext>
-            </a:extLst>
-          </p:cNvPr>
-          <p:cNvPicPr>
-            <a:picLocks noChangeAspect="1"/>
-          </p:cNvPicPr>
-          <p:nvPr/>
-        </p:nvPicPr>
-        <p:blipFill>
-          <a:blip r:embed="rId2">
-            <a:extLst>
-              <a:ext uri="{28A0092B-C50C-407E-A947-70E740481C1C}">
-                <a14:useLocalDpi xmlns:a14="http://schemas.microsoft.com/office/drawing/2010/main" val="0"/>
-              </a:ext>
-            </a:extLst>
-          </a:blip>
-          <a:stretch>
-            <a:fillRect/>
-          </a:stretch>
-        </p:blipFill>
-        <p:spPr>
-          <a:xfrm>
-            <a:off x="8697156" y="4193558"/>
-            <a:ext cx="3552589" cy="2664442"/>
-          </a:xfrm>
-          <a:prstGeom prst="rect">
-            <a:avLst/>
-          </a:prstGeom>
-        </p:spPr>
-      </p:pic>
+              <a:rPr lang="en-US" altLang="ja-JP" sz="2000" dirty="0" err="1"/>
+              <a:t>known_plaintext_attack</a:t>
+            </a:r>
+            <a:r>
+              <a:rPr lang="en-US" altLang="ja-JP" sz="2000" dirty="0"/>
+              <a:t>})</a:t>
+            </a:r>
+            <a:endParaRPr kumimoji="1" lang="en-US" altLang="ja-JP" sz="2000" dirty="0"/>
+          </a:p>
+          <a:p>
+            <a:pPr marL="0" indent="0">
+              <a:buNone/>
+            </a:pPr>
+            <a:endParaRPr kumimoji="1" lang="ja-JP" altLang="en-US" sz="2000" dirty="0"/>
+          </a:p>
+        </p:txBody>
+      </p:sp>
     </p:spTree>
     <p:extLst>
       <p:ext uri="{BB962C8B-B14F-4D97-AF65-F5344CB8AC3E}">
-        <p14:creationId xmlns:p14="http://schemas.microsoft.com/office/powerpoint/2010/main" val="3251395633"/>
+        <p14:creationId xmlns:p14="http://schemas.microsoft.com/office/powerpoint/2010/main" val="4270439447"/>
       </p:ext>
     </p:extLst>
   </p:cSld>

--- a/Writeup.pptx
+++ b/Writeup.pptx
@@ -623,7 +623,7 @@
           <a:p>
             <a:fld id="{2490B311-9796-4759-B0A0-BCF9ED8AC9C1}" type="datetimeFigureOut">
               <a:rPr kumimoji="1" lang="ja-JP" altLang="en-US" smtClean="0"/>
-              <a:t>2019/4/30</a:t>
+              <a:t>2019/5/16</a:t>
             </a:fld>
             <a:endParaRPr kumimoji="1" lang="ja-JP" altLang="en-US"/>
           </a:p>
@@ -853,7 +853,7 @@
           <a:p>
             <a:fld id="{2490B311-9796-4759-B0A0-BCF9ED8AC9C1}" type="datetimeFigureOut">
               <a:rPr kumimoji="1" lang="ja-JP" altLang="en-US" smtClean="0"/>
-              <a:t>2019/4/30</a:t>
+              <a:t>2019/5/16</a:t>
             </a:fld>
             <a:endParaRPr kumimoji="1" lang="ja-JP" altLang="en-US"/>
           </a:p>
@@ -1093,7 +1093,7 @@
           <a:p>
             <a:fld id="{2490B311-9796-4759-B0A0-BCF9ED8AC9C1}" type="datetimeFigureOut">
               <a:rPr kumimoji="1" lang="ja-JP" altLang="en-US" smtClean="0"/>
-              <a:t>2019/4/30</a:t>
+              <a:t>2019/5/16</a:t>
             </a:fld>
             <a:endParaRPr kumimoji="1" lang="ja-JP" altLang="en-US"/>
           </a:p>
@@ -1323,7 +1323,7 @@
           <a:p>
             <a:fld id="{2490B311-9796-4759-B0A0-BCF9ED8AC9C1}" type="datetimeFigureOut">
               <a:rPr kumimoji="1" lang="ja-JP" altLang="en-US" smtClean="0"/>
-              <a:t>2019/4/30</a:t>
+              <a:t>2019/5/16</a:t>
             </a:fld>
             <a:endParaRPr kumimoji="1" lang="ja-JP" altLang="en-US"/>
           </a:p>
@@ -1598,7 +1598,7 @@
           <a:p>
             <a:fld id="{2490B311-9796-4759-B0A0-BCF9ED8AC9C1}" type="datetimeFigureOut">
               <a:rPr kumimoji="1" lang="ja-JP" altLang="en-US" smtClean="0"/>
-              <a:t>2019/4/30</a:t>
+              <a:t>2019/5/16</a:t>
             </a:fld>
             <a:endParaRPr kumimoji="1" lang="ja-JP" altLang="en-US"/>
           </a:p>
@@ -1927,7 +1927,7 @@
           <a:p>
             <a:fld id="{2490B311-9796-4759-B0A0-BCF9ED8AC9C1}" type="datetimeFigureOut">
               <a:rPr kumimoji="1" lang="ja-JP" altLang="en-US" smtClean="0"/>
-              <a:t>2019/4/30</a:t>
+              <a:t>2019/5/16</a:t>
             </a:fld>
             <a:endParaRPr kumimoji="1" lang="ja-JP" altLang="en-US"/>
           </a:p>
@@ -2403,7 +2403,7 @@
           <a:p>
             <a:fld id="{2490B311-9796-4759-B0A0-BCF9ED8AC9C1}" type="datetimeFigureOut">
               <a:rPr kumimoji="1" lang="ja-JP" altLang="en-US" smtClean="0"/>
-              <a:t>2019/4/30</a:t>
+              <a:t>2019/5/16</a:t>
             </a:fld>
             <a:endParaRPr kumimoji="1" lang="ja-JP" altLang="en-US"/>
           </a:p>
@@ -2544,7 +2544,7 @@
           <a:p>
             <a:fld id="{2490B311-9796-4759-B0A0-BCF9ED8AC9C1}" type="datetimeFigureOut">
               <a:rPr kumimoji="1" lang="ja-JP" altLang="en-US" smtClean="0"/>
-              <a:t>2019/4/30</a:t>
+              <a:t>2019/5/16</a:t>
             </a:fld>
             <a:endParaRPr kumimoji="1" lang="ja-JP" altLang="en-US"/>
           </a:p>
@@ -2657,7 +2657,7 @@
           <a:p>
             <a:fld id="{2490B311-9796-4759-B0A0-BCF9ED8AC9C1}" type="datetimeFigureOut">
               <a:rPr kumimoji="1" lang="ja-JP" altLang="en-US" smtClean="0"/>
-              <a:t>2019/4/30</a:t>
+              <a:t>2019/5/16</a:t>
             </a:fld>
             <a:endParaRPr kumimoji="1" lang="ja-JP" altLang="en-US"/>
           </a:p>
@@ -3000,7 +3000,7 @@
           <a:p>
             <a:fld id="{2490B311-9796-4759-B0A0-BCF9ED8AC9C1}" type="datetimeFigureOut">
               <a:rPr kumimoji="1" lang="ja-JP" altLang="en-US" smtClean="0"/>
-              <a:t>2019/4/30</a:t>
+              <a:t>2019/5/16</a:t>
             </a:fld>
             <a:endParaRPr kumimoji="1" lang="ja-JP" altLang="en-US"/>
           </a:p>
@@ -3288,7 +3288,7 @@
           <a:p>
             <a:fld id="{2490B311-9796-4759-B0A0-BCF9ED8AC9C1}" type="datetimeFigureOut">
               <a:rPr kumimoji="1" lang="ja-JP" altLang="en-US" smtClean="0"/>
-              <a:t>2019/4/30</a:t>
+              <a:t>2019/5/16</a:t>
             </a:fld>
             <a:endParaRPr kumimoji="1" lang="ja-JP" altLang="en-US"/>
           </a:p>
@@ -3561,7 +3561,7 @@
           <a:p>
             <a:fld id="{2490B311-9796-4759-B0A0-BCF9ED8AC9C1}" type="datetimeFigureOut">
               <a:rPr kumimoji="1" lang="ja-JP" altLang="en-US" smtClean="0"/>
-              <a:t>2019/4/30</a:t>
+              <a:t>2019/5/16</a:t>
             </a:fld>
             <a:endParaRPr kumimoji="1" lang="ja-JP" altLang="en-US"/>
           </a:p>
@@ -5274,10 +5274,10 @@
       </p:sp>
       <p:pic>
         <p:nvPicPr>
-          <p:cNvPr id="5" name="図 4">
-            <a:extLst>
-              <a:ext uri="{FF2B5EF4-FFF2-40B4-BE49-F238E27FC236}">
-                <a16:creationId xmlns:a16="http://schemas.microsoft.com/office/drawing/2014/main" id="{31D6B37B-E2E1-4F59-9F46-9283D72A7488}"/>
+          <p:cNvPr id="6" name="図 5">
+            <a:extLst>
+              <a:ext uri="{FF2B5EF4-FFF2-40B4-BE49-F238E27FC236}">
+                <a16:creationId xmlns:a16="http://schemas.microsoft.com/office/drawing/2014/main" id="{931A52E3-6FC1-4F17-897F-AA947A8DF2E2}"/>
               </a:ext>
             </a:extLst>
           </p:cNvPr>
@@ -5300,8 +5300,8 @@
         </p:blipFill>
         <p:spPr>
           <a:xfrm>
-            <a:off x="8697156" y="4193558"/>
-            <a:ext cx="3552589" cy="2664442"/>
+            <a:off x="8658224" y="4293393"/>
+            <a:ext cx="3419475" cy="2564607"/>
           </a:xfrm>
           <a:prstGeom prst="rect">
             <a:avLst/>
